--- a/EFI/Bootloader/Settings/display/BannerEditor.pptx
+++ b/EFI/Bootloader/Settings/display/BannerEditor.pptx
@@ -4,8 +4,12 @@
   <p:sldMasterIdLst>
     <p:sldMasterId id="2147483744" r:id="rId1"/>
   </p:sldMasterIdLst>
+  <p:notesMasterIdLst>
+    <p:notesMasterId r:id="rId4"/>
+  </p:notesMasterIdLst>
   <p:sldIdLst>
     <p:sldId id="256" r:id="rId2"/>
+    <p:sldId id="257" r:id="rId3"/>
   </p:sldIdLst>
   <p:sldSz cx="9753600" cy="2438400"/>
   <p:notesSz cx="6858000" cy="9144000"/>
@@ -123,6 +127,565 @@
 </p:presentation>
 </file>
 
+<file path=ppt/notesMasters/notesMaster1.xml><?xml version="1.0" encoding="utf-8"?>
+<p:notesMaster xmlns:a="http://schemas.openxmlformats.org/drawingml/2006/main" xmlns:r="http://schemas.openxmlformats.org/officeDocument/2006/relationships" xmlns:p="http://schemas.openxmlformats.org/presentationml/2006/main">
+  <p:cSld>
+    <p:bg>
+      <p:bgRef idx="1001">
+        <a:schemeClr val="bg1"/>
+      </p:bgRef>
+    </p:bg>
+    <p:spTree>
+      <p:nvGrpSpPr>
+        <p:cNvPr id="1" name=""/>
+        <p:cNvGrpSpPr/>
+        <p:nvPr/>
+      </p:nvGrpSpPr>
+      <p:grpSpPr>
+        <a:xfrm>
+          <a:off x="0" y="0"/>
+          <a:ext cx="0" cy="0"/>
+          <a:chOff x="0" y="0"/>
+          <a:chExt cx="0" cy="0"/>
+        </a:xfrm>
+      </p:grpSpPr>
+      <p:sp>
+        <p:nvSpPr>
+          <p:cNvPr id="2" name="页眉占位符 1"/>
+          <p:cNvSpPr>
+            <a:spLocks noGrp="1"/>
+          </p:cNvSpPr>
+          <p:nvPr>
+            <p:ph type="hdr" sz="quarter"/>
+          </p:nvPr>
+        </p:nvSpPr>
+        <p:spPr>
+          <a:xfrm>
+            <a:off x="0" y="0"/>
+            <a:ext cx="2971800" cy="458788"/>
+          </a:xfrm>
+          <a:prstGeom prst="rect">
+            <a:avLst/>
+          </a:prstGeom>
+        </p:spPr>
+        <p:txBody>
+          <a:bodyPr vert="horz" lIns="91440" tIns="45720" rIns="91440" bIns="45720" rtlCol="0"/>
+          <a:lstStyle>
+            <a:lvl1pPr algn="l">
+              <a:defRPr sz="1200"/>
+            </a:lvl1pPr>
+          </a:lstStyle>
+          <a:p>
+            <a:endParaRPr lang="zh-CN" altLang="en-US"/>
+          </a:p>
+        </p:txBody>
+      </p:sp>
+      <p:sp>
+        <p:nvSpPr>
+          <p:cNvPr id="3" name="日期占位符 2"/>
+          <p:cNvSpPr>
+            <a:spLocks noGrp="1"/>
+          </p:cNvSpPr>
+          <p:nvPr>
+            <p:ph type="dt" idx="1"/>
+          </p:nvPr>
+        </p:nvSpPr>
+        <p:spPr>
+          <a:xfrm>
+            <a:off x="3884613" y="0"/>
+            <a:ext cx="2971800" cy="458788"/>
+          </a:xfrm>
+          <a:prstGeom prst="rect">
+            <a:avLst/>
+          </a:prstGeom>
+        </p:spPr>
+        <p:txBody>
+          <a:bodyPr vert="horz" lIns="91440" tIns="45720" rIns="91440" bIns="45720" rtlCol="0"/>
+          <a:lstStyle>
+            <a:lvl1pPr algn="r">
+              <a:defRPr sz="1200"/>
+            </a:lvl1pPr>
+          </a:lstStyle>
+          <a:p>
+            <a:fld id="{21971604-846B-44BD-973C-8F30895189C7}" type="datetimeFigureOut">
+              <a:rPr lang="zh-CN" altLang="en-US" smtClean="0"/>
+              <a:t>2023-2-6</a:t>
+            </a:fld>
+            <a:endParaRPr lang="zh-CN" altLang="en-US"/>
+          </a:p>
+        </p:txBody>
+      </p:sp>
+      <p:sp>
+        <p:nvSpPr>
+          <p:cNvPr id="4" name="幻灯片图像占位符 3"/>
+          <p:cNvSpPr>
+            <a:spLocks noGrp="1" noRot="1" noChangeAspect="1"/>
+          </p:cNvSpPr>
+          <p:nvPr>
+            <p:ph type="sldImg" idx="2"/>
+          </p:nvPr>
+        </p:nvSpPr>
+        <p:spPr>
+          <a:xfrm>
+            <a:off x="-2743200" y="1143000"/>
+            <a:ext cx="12344400" cy="3086100"/>
+          </a:xfrm>
+          <a:prstGeom prst="rect">
+            <a:avLst/>
+          </a:prstGeom>
+          <a:noFill/>
+          <a:ln w="12700">
+            <a:solidFill>
+              <a:prstClr val="black"/>
+            </a:solidFill>
+          </a:ln>
+        </p:spPr>
+        <p:txBody>
+          <a:bodyPr vert="horz" lIns="91440" tIns="45720" rIns="91440" bIns="45720" rtlCol="0" anchor="ctr"/>
+          <a:lstStyle/>
+          <a:p>
+            <a:endParaRPr lang="zh-CN" altLang="en-US"/>
+          </a:p>
+        </p:txBody>
+      </p:sp>
+      <p:sp>
+        <p:nvSpPr>
+          <p:cNvPr id="5" name="备注占位符 4"/>
+          <p:cNvSpPr>
+            <a:spLocks noGrp="1"/>
+          </p:cNvSpPr>
+          <p:nvPr>
+            <p:ph type="body" sz="quarter" idx="3"/>
+          </p:nvPr>
+        </p:nvSpPr>
+        <p:spPr>
+          <a:xfrm>
+            <a:off x="685800" y="4400550"/>
+            <a:ext cx="5486400" cy="3600450"/>
+          </a:xfrm>
+          <a:prstGeom prst="rect">
+            <a:avLst/>
+          </a:prstGeom>
+        </p:spPr>
+        <p:txBody>
+          <a:bodyPr vert="horz" lIns="91440" tIns="45720" rIns="91440" bIns="45720" rtlCol="0"/>
+          <a:lstStyle/>
+          <a:p>
+            <a:pPr lvl="0"/>
+            <a:r>
+              <a:rPr lang="zh-CN" altLang="en-US"/>
+              <a:t>单击此处编辑母版文本样式</a:t>
+            </a:r>
+          </a:p>
+          <a:p>
+            <a:pPr lvl="1"/>
+            <a:r>
+              <a:rPr lang="zh-CN" altLang="en-US"/>
+              <a:t>二级</a:t>
+            </a:r>
+          </a:p>
+          <a:p>
+            <a:pPr lvl="2"/>
+            <a:r>
+              <a:rPr lang="zh-CN" altLang="en-US"/>
+              <a:t>三级</a:t>
+            </a:r>
+          </a:p>
+          <a:p>
+            <a:pPr lvl="3"/>
+            <a:r>
+              <a:rPr lang="zh-CN" altLang="en-US"/>
+              <a:t>四级</a:t>
+            </a:r>
+          </a:p>
+          <a:p>
+            <a:pPr lvl="4"/>
+            <a:r>
+              <a:rPr lang="zh-CN" altLang="en-US"/>
+              <a:t>五级</a:t>
+            </a:r>
+          </a:p>
+        </p:txBody>
+      </p:sp>
+      <p:sp>
+        <p:nvSpPr>
+          <p:cNvPr id="6" name="页脚占位符 5"/>
+          <p:cNvSpPr>
+            <a:spLocks noGrp="1"/>
+          </p:cNvSpPr>
+          <p:nvPr>
+            <p:ph type="ftr" sz="quarter" idx="4"/>
+          </p:nvPr>
+        </p:nvSpPr>
+        <p:spPr>
+          <a:xfrm>
+            <a:off x="0" y="8685213"/>
+            <a:ext cx="2971800" cy="458787"/>
+          </a:xfrm>
+          <a:prstGeom prst="rect">
+            <a:avLst/>
+          </a:prstGeom>
+        </p:spPr>
+        <p:txBody>
+          <a:bodyPr vert="horz" lIns="91440" tIns="45720" rIns="91440" bIns="45720" rtlCol="0" anchor="b"/>
+          <a:lstStyle>
+            <a:lvl1pPr algn="l">
+              <a:defRPr sz="1200"/>
+            </a:lvl1pPr>
+          </a:lstStyle>
+          <a:p>
+            <a:endParaRPr lang="zh-CN" altLang="en-US"/>
+          </a:p>
+        </p:txBody>
+      </p:sp>
+      <p:sp>
+        <p:nvSpPr>
+          <p:cNvPr id="7" name="灯片编号占位符 6"/>
+          <p:cNvSpPr>
+            <a:spLocks noGrp="1"/>
+          </p:cNvSpPr>
+          <p:nvPr>
+            <p:ph type="sldNum" sz="quarter" idx="5"/>
+          </p:nvPr>
+        </p:nvSpPr>
+        <p:spPr>
+          <a:xfrm>
+            <a:off x="3884613" y="8685213"/>
+            <a:ext cx="2971800" cy="458787"/>
+          </a:xfrm>
+          <a:prstGeom prst="rect">
+            <a:avLst/>
+          </a:prstGeom>
+        </p:spPr>
+        <p:txBody>
+          <a:bodyPr vert="horz" lIns="91440" tIns="45720" rIns="91440" bIns="45720" rtlCol="0" anchor="b"/>
+          <a:lstStyle>
+            <a:lvl1pPr algn="r">
+              <a:defRPr sz="1200"/>
+            </a:lvl1pPr>
+          </a:lstStyle>
+          <a:p>
+            <a:fld id="{7819132F-08D3-4B95-90DA-35C61998C40C}" type="slidenum">
+              <a:rPr lang="zh-CN" altLang="en-US" smtClean="0"/>
+              <a:t>‹#›</a:t>
+            </a:fld>
+            <a:endParaRPr lang="zh-CN" altLang="en-US"/>
+          </a:p>
+        </p:txBody>
+      </p:sp>
+    </p:spTree>
+    <p:extLst>
+      <p:ext uri="{BB962C8B-B14F-4D97-AF65-F5344CB8AC3E}">
+        <p14:creationId xmlns:p14="http://schemas.microsoft.com/office/powerpoint/2010/main" val="1313298262"/>
+      </p:ext>
+    </p:extLst>
+  </p:cSld>
+  <p:clrMap bg1="lt1" tx1="dk1" bg2="lt2" tx2="dk2" accent1="accent1" accent2="accent2" accent3="accent3" accent4="accent4" accent5="accent5" accent6="accent6" hlink="hlink" folHlink="folHlink"/>
+  <p:notesStyle>
+    <a:lvl1pPr marL="0" algn="l" defTabSz="914400" rtl="0" eaLnBrk="1" latinLnBrk="0" hangingPunct="1">
+      <a:defRPr sz="1200" kern="1200">
+        <a:solidFill>
+          <a:schemeClr val="tx1"/>
+        </a:solidFill>
+        <a:latin typeface="+mn-lt"/>
+        <a:ea typeface="+mn-ea"/>
+        <a:cs typeface="+mn-cs"/>
+      </a:defRPr>
+    </a:lvl1pPr>
+    <a:lvl2pPr marL="457200" algn="l" defTabSz="914400" rtl="0" eaLnBrk="1" latinLnBrk="0" hangingPunct="1">
+      <a:defRPr sz="1200" kern="1200">
+        <a:solidFill>
+          <a:schemeClr val="tx1"/>
+        </a:solidFill>
+        <a:latin typeface="+mn-lt"/>
+        <a:ea typeface="+mn-ea"/>
+        <a:cs typeface="+mn-cs"/>
+      </a:defRPr>
+    </a:lvl2pPr>
+    <a:lvl3pPr marL="914400" algn="l" defTabSz="914400" rtl="0" eaLnBrk="1" latinLnBrk="0" hangingPunct="1">
+      <a:defRPr sz="1200" kern="1200">
+        <a:solidFill>
+          <a:schemeClr val="tx1"/>
+        </a:solidFill>
+        <a:latin typeface="+mn-lt"/>
+        <a:ea typeface="+mn-ea"/>
+        <a:cs typeface="+mn-cs"/>
+      </a:defRPr>
+    </a:lvl3pPr>
+    <a:lvl4pPr marL="1371600" algn="l" defTabSz="914400" rtl="0" eaLnBrk="1" latinLnBrk="0" hangingPunct="1">
+      <a:defRPr sz="1200" kern="1200">
+        <a:solidFill>
+          <a:schemeClr val="tx1"/>
+        </a:solidFill>
+        <a:latin typeface="+mn-lt"/>
+        <a:ea typeface="+mn-ea"/>
+        <a:cs typeface="+mn-cs"/>
+      </a:defRPr>
+    </a:lvl4pPr>
+    <a:lvl5pPr marL="1828800" algn="l" defTabSz="914400" rtl="0" eaLnBrk="1" latinLnBrk="0" hangingPunct="1">
+      <a:defRPr sz="1200" kern="1200">
+        <a:solidFill>
+          <a:schemeClr val="tx1"/>
+        </a:solidFill>
+        <a:latin typeface="+mn-lt"/>
+        <a:ea typeface="+mn-ea"/>
+        <a:cs typeface="+mn-cs"/>
+      </a:defRPr>
+    </a:lvl5pPr>
+    <a:lvl6pPr marL="2286000" algn="l" defTabSz="914400" rtl="0" eaLnBrk="1" latinLnBrk="0" hangingPunct="1">
+      <a:defRPr sz="1200" kern="1200">
+        <a:solidFill>
+          <a:schemeClr val="tx1"/>
+        </a:solidFill>
+        <a:latin typeface="+mn-lt"/>
+        <a:ea typeface="+mn-ea"/>
+        <a:cs typeface="+mn-cs"/>
+      </a:defRPr>
+    </a:lvl6pPr>
+    <a:lvl7pPr marL="2743200" algn="l" defTabSz="914400" rtl="0" eaLnBrk="1" latinLnBrk="0" hangingPunct="1">
+      <a:defRPr sz="1200" kern="1200">
+        <a:solidFill>
+          <a:schemeClr val="tx1"/>
+        </a:solidFill>
+        <a:latin typeface="+mn-lt"/>
+        <a:ea typeface="+mn-ea"/>
+        <a:cs typeface="+mn-cs"/>
+      </a:defRPr>
+    </a:lvl7pPr>
+    <a:lvl8pPr marL="3200400" algn="l" defTabSz="914400" rtl="0" eaLnBrk="1" latinLnBrk="0" hangingPunct="1">
+      <a:defRPr sz="1200" kern="1200">
+        <a:solidFill>
+          <a:schemeClr val="tx1"/>
+        </a:solidFill>
+        <a:latin typeface="+mn-lt"/>
+        <a:ea typeface="+mn-ea"/>
+        <a:cs typeface="+mn-cs"/>
+      </a:defRPr>
+    </a:lvl8pPr>
+    <a:lvl9pPr marL="3657600" algn="l" defTabSz="914400" rtl="0" eaLnBrk="1" latinLnBrk="0" hangingPunct="1">
+      <a:defRPr sz="1200" kern="1200">
+        <a:solidFill>
+          <a:schemeClr val="tx1"/>
+        </a:solidFill>
+        <a:latin typeface="+mn-lt"/>
+        <a:ea typeface="+mn-ea"/>
+        <a:cs typeface="+mn-cs"/>
+      </a:defRPr>
+    </a:lvl9pPr>
+  </p:notesStyle>
+</p:notesMaster>
+</file>
+
+<file path=ppt/notesSlides/notesSlide1.xml><?xml version="1.0" encoding="utf-8"?>
+<p:notes xmlns:a="http://schemas.openxmlformats.org/drawingml/2006/main" xmlns:r="http://schemas.openxmlformats.org/officeDocument/2006/relationships" xmlns:p="http://schemas.openxmlformats.org/presentationml/2006/main">
+  <p:cSld>
+    <p:spTree>
+      <p:nvGrpSpPr>
+        <p:cNvPr id="1" name=""/>
+        <p:cNvGrpSpPr/>
+        <p:nvPr/>
+      </p:nvGrpSpPr>
+      <p:grpSpPr>
+        <a:xfrm>
+          <a:off x="0" y="0"/>
+          <a:ext cx="0" cy="0"/>
+          <a:chOff x="0" y="0"/>
+          <a:chExt cx="0" cy="0"/>
+        </a:xfrm>
+      </p:grpSpPr>
+      <p:sp>
+        <p:nvSpPr>
+          <p:cNvPr id="2" name="幻灯片图像占位符 1"/>
+          <p:cNvSpPr>
+            <a:spLocks noGrp="1" noRot="1" noChangeAspect="1"/>
+          </p:cNvSpPr>
+          <p:nvPr>
+            <p:ph type="sldImg"/>
+          </p:nvPr>
+        </p:nvSpPr>
+        <p:spPr/>
+      </p:sp>
+      <p:sp>
+        <p:nvSpPr>
+          <p:cNvPr id="3" name="备注占位符 2"/>
+          <p:cNvSpPr>
+            <a:spLocks noGrp="1"/>
+          </p:cNvSpPr>
+          <p:nvPr>
+            <p:ph type="body" idx="1"/>
+          </p:nvPr>
+        </p:nvSpPr>
+        <p:spPr/>
+        <p:txBody>
+          <a:bodyPr/>
+          <a:lstStyle/>
+          <a:p>
+            <a:pPr marL="0" marR="0" lvl="0" indent="0" algn="l" defTabSz="914400" rtl="0" eaLnBrk="1" fontAlgn="auto" latinLnBrk="0" hangingPunct="1">
+              <a:lnSpc>
+                <a:spcPct val="100000"/>
+              </a:lnSpc>
+              <a:spcBef>
+                <a:spcPts val="0"/>
+              </a:spcBef>
+              <a:spcAft>
+                <a:spcPts val="0"/>
+              </a:spcAft>
+              <a:buClrTx/>
+              <a:buSzTx/>
+              <a:buFontTx/>
+              <a:buNone/>
+              <a:tabLst/>
+              <a:defRPr/>
+            </a:pPr>
+            <a:r>
+              <a:rPr lang="en-US" altLang="zh-CN" dirty="0"/>
+              <a:t>With credits</a:t>
+            </a:r>
+            <a:endParaRPr lang="zh-CN" altLang="en-US" dirty="0"/>
+          </a:p>
+        </p:txBody>
+      </p:sp>
+      <p:sp>
+        <p:nvSpPr>
+          <p:cNvPr id="4" name="灯片编号占位符 3"/>
+          <p:cNvSpPr>
+            <a:spLocks noGrp="1"/>
+          </p:cNvSpPr>
+          <p:nvPr>
+            <p:ph type="sldNum" sz="quarter" idx="5"/>
+          </p:nvPr>
+        </p:nvSpPr>
+        <p:spPr/>
+        <p:txBody>
+          <a:bodyPr/>
+          <a:lstStyle/>
+          <a:p>
+            <a:fld id="{7819132F-08D3-4B95-90DA-35C61998C40C}" type="slidenum">
+              <a:rPr lang="zh-CN" altLang="en-US" smtClean="0"/>
+              <a:t>1</a:t>
+            </a:fld>
+            <a:endParaRPr lang="zh-CN" altLang="en-US"/>
+          </a:p>
+        </p:txBody>
+      </p:sp>
+    </p:spTree>
+    <p:extLst>
+      <p:ext uri="{BB962C8B-B14F-4D97-AF65-F5344CB8AC3E}">
+        <p14:creationId xmlns:p14="http://schemas.microsoft.com/office/powerpoint/2010/main" val="3990189174"/>
+      </p:ext>
+    </p:extLst>
+  </p:cSld>
+  <p:clrMapOvr>
+    <a:masterClrMapping/>
+  </p:clrMapOvr>
+</p:notes>
+</file>
+
+<file path=ppt/notesSlides/notesSlide2.xml><?xml version="1.0" encoding="utf-8"?>
+<p:notes xmlns:a="http://schemas.openxmlformats.org/drawingml/2006/main" xmlns:r="http://schemas.openxmlformats.org/officeDocument/2006/relationships" xmlns:p="http://schemas.openxmlformats.org/presentationml/2006/main">
+  <p:cSld>
+    <p:spTree>
+      <p:nvGrpSpPr>
+        <p:cNvPr id="1" name=""/>
+        <p:cNvGrpSpPr/>
+        <p:nvPr/>
+      </p:nvGrpSpPr>
+      <p:grpSpPr>
+        <a:xfrm>
+          <a:off x="0" y="0"/>
+          <a:ext cx="0" cy="0"/>
+          <a:chOff x="0" y="0"/>
+          <a:chExt cx="0" cy="0"/>
+        </a:xfrm>
+      </p:grpSpPr>
+      <p:sp>
+        <p:nvSpPr>
+          <p:cNvPr id="2" name="幻灯片图像占位符 1"/>
+          <p:cNvSpPr>
+            <a:spLocks noGrp="1" noRot="1" noChangeAspect="1"/>
+          </p:cNvSpPr>
+          <p:nvPr>
+            <p:ph type="sldImg"/>
+          </p:nvPr>
+        </p:nvSpPr>
+        <p:spPr/>
+      </p:sp>
+      <p:sp>
+        <p:nvSpPr>
+          <p:cNvPr id="3" name="备注占位符 2"/>
+          <p:cNvSpPr>
+            <a:spLocks noGrp="1"/>
+          </p:cNvSpPr>
+          <p:nvPr>
+            <p:ph type="body" idx="1"/>
+          </p:nvPr>
+        </p:nvSpPr>
+        <p:spPr/>
+        <p:txBody>
+          <a:bodyPr/>
+          <a:lstStyle/>
+          <a:p>
+            <a:pPr marL="0" marR="0" lvl="0" indent="0" algn="l" defTabSz="914400" rtl="0" eaLnBrk="1" fontAlgn="auto" latinLnBrk="0" hangingPunct="1">
+              <a:lnSpc>
+                <a:spcPct val="100000"/>
+              </a:lnSpc>
+              <a:spcBef>
+                <a:spcPts val="0"/>
+              </a:spcBef>
+              <a:spcAft>
+                <a:spcPts val="0"/>
+              </a:spcAft>
+              <a:buClrTx/>
+              <a:buSzTx/>
+              <a:buFontTx/>
+              <a:buNone/>
+              <a:tabLst/>
+              <a:defRPr/>
+            </a:pPr>
+            <a:r>
+              <a:rPr lang="en-US" altLang="zh-CN" dirty="0"/>
+              <a:t>Without credits</a:t>
+            </a:r>
+            <a:endParaRPr lang="zh-CN" altLang="en-US" dirty="0"/>
+          </a:p>
+        </p:txBody>
+      </p:sp>
+      <p:sp>
+        <p:nvSpPr>
+          <p:cNvPr id="4" name="灯片编号占位符 3"/>
+          <p:cNvSpPr>
+            <a:spLocks noGrp="1"/>
+          </p:cNvSpPr>
+          <p:nvPr>
+            <p:ph type="sldNum" sz="quarter" idx="5"/>
+          </p:nvPr>
+        </p:nvSpPr>
+        <p:spPr/>
+        <p:txBody>
+          <a:bodyPr/>
+          <a:lstStyle/>
+          <a:p>
+            <a:fld id="{7819132F-08D3-4B95-90DA-35C61998C40C}" type="slidenum">
+              <a:rPr lang="zh-CN" altLang="en-US" smtClean="0"/>
+              <a:t>2</a:t>
+            </a:fld>
+            <a:endParaRPr lang="zh-CN" altLang="en-US"/>
+          </a:p>
+        </p:txBody>
+      </p:sp>
+    </p:spTree>
+    <p:extLst>
+      <p:ext uri="{BB962C8B-B14F-4D97-AF65-F5344CB8AC3E}">
+        <p14:creationId xmlns:p14="http://schemas.microsoft.com/office/powerpoint/2010/main" val="707427303"/>
+      </p:ext>
+    </p:extLst>
+  </p:cSld>
+  <p:clrMapOvr>
+    <a:masterClrMapping/>
+  </p:clrMapOvr>
+</p:notes>
+</file>
+
 <file path=ppt/slideLayouts/slideLayout1.xml><?xml version="1.0" encoding="utf-8"?>
 <p:sldLayout xmlns:a="http://schemas.openxmlformats.org/drawingml/2006/main" xmlns:r="http://schemas.openxmlformats.org/officeDocument/2006/relationships" xmlns:p="http://schemas.openxmlformats.org/presentationml/2006/main" type="title" preserve="1">
   <p:cSld name="标题幻灯片">
@@ -254,7 +817,7 @@
           <a:p>
             <a:fld id="{C07FA1C5-4E88-460E-ADE5-BF3AC8D5E403}" type="datetimeFigureOut">
               <a:rPr lang="zh-CN" altLang="en-US" smtClean="0"/>
-              <a:t>2023-2-3</a:t>
+              <a:t>2023-2-6</a:t>
             </a:fld>
             <a:endParaRPr lang="zh-CN" altLang="en-US"/>
           </a:p>
@@ -424,7 +987,7 @@
           <a:p>
             <a:fld id="{C07FA1C5-4E88-460E-ADE5-BF3AC8D5E403}" type="datetimeFigureOut">
               <a:rPr lang="zh-CN" altLang="en-US" smtClean="0"/>
-              <a:t>2023-2-3</a:t>
+              <a:t>2023-2-6</a:t>
             </a:fld>
             <a:endParaRPr lang="zh-CN" altLang="en-US"/>
           </a:p>
@@ -604,7 +1167,7 @@
           <a:p>
             <a:fld id="{C07FA1C5-4E88-460E-ADE5-BF3AC8D5E403}" type="datetimeFigureOut">
               <a:rPr lang="zh-CN" altLang="en-US" smtClean="0"/>
-              <a:t>2023-2-3</a:t>
+              <a:t>2023-2-6</a:t>
             </a:fld>
             <a:endParaRPr lang="zh-CN" altLang="en-US"/>
           </a:p>
@@ -774,7 +1337,7 @@
           <a:p>
             <a:fld id="{C07FA1C5-4E88-460E-ADE5-BF3AC8D5E403}" type="datetimeFigureOut">
               <a:rPr lang="zh-CN" altLang="en-US" smtClean="0"/>
-              <a:t>2023-2-3</a:t>
+              <a:t>2023-2-6</a:t>
             </a:fld>
             <a:endParaRPr lang="zh-CN" altLang="en-US"/>
           </a:p>
@@ -1020,7 +1583,7 @@
           <a:p>
             <a:fld id="{C07FA1C5-4E88-460E-ADE5-BF3AC8D5E403}" type="datetimeFigureOut">
               <a:rPr lang="zh-CN" altLang="en-US" smtClean="0"/>
-              <a:t>2023-2-3</a:t>
+              <a:t>2023-2-6</a:t>
             </a:fld>
             <a:endParaRPr lang="zh-CN" altLang="en-US"/>
           </a:p>
@@ -1252,7 +1815,7 @@
           <a:p>
             <a:fld id="{C07FA1C5-4E88-460E-ADE5-BF3AC8D5E403}" type="datetimeFigureOut">
               <a:rPr lang="zh-CN" altLang="en-US" smtClean="0"/>
-              <a:t>2023-2-3</a:t>
+              <a:t>2023-2-6</a:t>
             </a:fld>
             <a:endParaRPr lang="zh-CN" altLang="en-US"/>
           </a:p>
@@ -1619,7 +2182,7 @@
           <a:p>
             <a:fld id="{C07FA1C5-4E88-460E-ADE5-BF3AC8D5E403}" type="datetimeFigureOut">
               <a:rPr lang="zh-CN" altLang="en-US" smtClean="0"/>
-              <a:t>2023-2-3</a:t>
+              <a:t>2023-2-6</a:t>
             </a:fld>
             <a:endParaRPr lang="zh-CN" altLang="en-US"/>
           </a:p>
@@ -1737,7 +2300,7 @@
           <a:p>
             <a:fld id="{C07FA1C5-4E88-460E-ADE5-BF3AC8D5E403}" type="datetimeFigureOut">
               <a:rPr lang="zh-CN" altLang="en-US" smtClean="0"/>
-              <a:t>2023-2-3</a:t>
+              <a:t>2023-2-6</a:t>
             </a:fld>
             <a:endParaRPr lang="zh-CN" altLang="en-US"/>
           </a:p>
@@ -1832,7 +2395,7 @@
           <a:p>
             <a:fld id="{C07FA1C5-4E88-460E-ADE5-BF3AC8D5E403}" type="datetimeFigureOut">
               <a:rPr lang="zh-CN" altLang="en-US" smtClean="0"/>
-              <a:t>2023-2-3</a:t>
+              <a:t>2023-2-6</a:t>
             </a:fld>
             <a:endParaRPr lang="zh-CN" altLang="en-US"/>
           </a:p>
@@ -2109,7 +2672,7 @@
           <a:p>
             <a:fld id="{C07FA1C5-4E88-460E-ADE5-BF3AC8D5E403}" type="datetimeFigureOut">
               <a:rPr lang="zh-CN" altLang="en-US" smtClean="0"/>
-              <a:t>2023-2-3</a:t>
+              <a:t>2023-2-6</a:t>
             </a:fld>
             <a:endParaRPr lang="zh-CN" altLang="en-US"/>
           </a:p>
@@ -2366,7 +2929,7 @@
           <a:p>
             <a:fld id="{C07FA1C5-4E88-460E-ADE5-BF3AC8D5E403}" type="datetimeFigureOut">
               <a:rPr lang="zh-CN" altLang="en-US" smtClean="0"/>
-              <a:t>2023-2-3</a:t>
+              <a:t>2023-2-6</a:t>
             </a:fld>
             <a:endParaRPr lang="zh-CN" altLang="en-US"/>
           </a:p>
@@ -2579,7 +3142,7 @@
           <a:p>
             <a:fld id="{C07FA1C5-4E88-460E-ADE5-BF3AC8D5E403}" type="datetimeFigureOut">
               <a:rPr lang="zh-CN" altLang="en-US" smtClean="0"/>
-              <a:t>2023-2-3</a:t>
+              <a:t>2023-2-6</a:t>
             </a:fld>
             <a:endParaRPr lang="zh-CN" altLang="en-US"/>
           </a:p>
@@ -2994,10 +3557,1241 @@
       </p:grpSpPr>
       <p:grpSp>
         <p:nvGrpSpPr>
-          <p:cNvPr id="4" name="组合 3">
+          <p:cNvPr id="23" name="组合 22">
             <a:extLst>
               <a:ext uri="{FF2B5EF4-FFF2-40B4-BE49-F238E27FC236}">
-                <a16:creationId xmlns:a16="http://schemas.microsoft.com/office/drawing/2014/main" id="{D2A7DAB1-C1AB-13DC-1314-102F765A4547}"/>
+                <a16:creationId xmlns:a16="http://schemas.microsoft.com/office/drawing/2014/main" id="{839DB314-0618-204E-8E25-89AF033BA75C}"/>
+              </a:ext>
+            </a:extLst>
+          </p:cNvPr>
+          <p:cNvGrpSpPr/>
+          <p:nvPr/>
+        </p:nvGrpSpPr>
+        <p:grpSpPr>
+          <a:xfrm>
+            <a:off x="0" y="250688"/>
+            <a:ext cx="9538477" cy="1937021"/>
+            <a:chOff x="0" y="250688"/>
+            <a:chExt cx="9538477" cy="1937021"/>
+          </a:xfrm>
+        </p:grpSpPr>
+        <p:grpSp>
+          <p:nvGrpSpPr>
+            <p:cNvPr id="4" name="组合 3">
+              <a:extLst>
+                <a:ext uri="{FF2B5EF4-FFF2-40B4-BE49-F238E27FC236}">
+                  <a16:creationId xmlns:a16="http://schemas.microsoft.com/office/drawing/2014/main" id="{D2A7DAB1-C1AB-13DC-1314-102F765A4547}"/>
+                </a:ext>
+              </a:extLst>
+            </p:cNvPr>
+            <p:cNvGrpSpPr/>
+            <p:nvPr/>
+          </p:nvGrpSpPr>
+          <p:grpSpPr>
+            <a:xfrm>
+              <a:off x="0" y="250688"/>
+              <a:ext cx="9538477" cy="1937021"/>
+              <a:chOff x="0" y="250688"/>
+              <a:chExt cx="9538477" cy="1937021"/>
+            </a:xfrm>
+          </p:grpSpPr>
+          <p:pic>
+            <p:nvPicPr>
+              <p:cNvPr id="7" name="图片 6">
+                <a:extLst>
+                  <a:ext uri="{FF2B5EF4-FFF2-40B4-BE49-F238E27FC236}">
+                    <a16:creationId xmlns:a16="http://schemas.microsoft.com/office/drawing/2014/main" id="{47313D01-4DE3-6AE9-1304-8B849DB13C0F}"/>
+                  </a:ext>
+                </a:extLst>
+              </p:cNvPr>
+              <p:cNvPicPr>
+                <a:picLocks noChangeAspect="1"/>
+              </p:cNvPicPr>
+              <p:nvPr/>
+            </p:nvPicPr>
+            <p:blipFill rotWithShape="1">
+              <a:blip r:embed="rId3">
+                <a:extLst>
+                  <a:ext uri="{28A0092B-C50C-407E-A947-70E740481C1C}">
+                    <a14:useLocalDpi xmlns:a14="http://schemas.microsoft.com/office/drawing/2010/main" val="0"/>
+                  </a:ext>
+                </a:extLst>
+              </a:blip>
+              <a:srcRect b="20435"/>
+              <a:stretch/>
+            </p:blipFill>
+            <p:spPr>
+              <a:xfrm>
+                <a:off x="8301037" y="561501"/>
+                <a:ext cx="1237440" cy="984566"/>
+              </a:xfrm>
+              <a:prstGeom prst="rect">
+                <a:avLst/>
+              </a:prstGeom>
+              <a:effectLst>
+                <a:glow rad="444500">
+                  <a:schemeClr val="accent5">
+                    <a:satMod val="175000"/>
+                    <a:alpha val="25000"/>
+                  </a:schemeClr>
+                </a:glow>
+                <a:reflection blurRad="6350" stA="52000" endA="300" endPos="35000" dir="5400000" sy="-100000" algn="bl" rotWithShape="0"/>
+              </a:effectLst>
+            </p:spPr>
+          </p:pic>
+          <p:grpSp>
+            <p:nvGrpSpPr>
+              <p:cNvPr id="2" name="组合 1">
+                <a:extLst>
+                  <a:ext uri="{FF2B5EF4-FFF2-40B4-BE49-F238E27FC236}">
+                    <a16:creationId xmlns:a16="http://schemas.microsoft.com/office/drawing/2014/main" id="{51746F8A-6CAD-5D2A-D14F-0ADF39A4CF49}"/>
+                  </a:ext>
+                </a:extLst>
+              </p:cNvPr>
+              <p:cNvGrpSpPr/>
+              <p:nvPr/>
+            </p:nvGrpSpPr>
+            <p:grpSpPr>
+              <a:xfrm>
+                <a:off x="0" y="250688"/>
+                <a:ext cx="2222191" cy="1937021"/>
+                <a:chOff x="497643" y="-55401"/>
+                <a:chExt cx="2222191" cy="1937022"/>
+              </a:xfrm>
+            </p:grpSpPr>
+            <p:pic>
+              <p:nvPicPr>
+                <p:cNvPr id="11" name="图片 10">
+                  <a:extLst>
+                    <a:ext uri="{FF2B5EF4-FFF2-40B4-BE49-F238E27FC236}">
+                      <a16:creationId xmlns:a16="http://schemas.microsoft.com/office/drawing/2014/main" id="{8BD66983-61AC-EBE8-8730-5B3DAB4C574D}"/>
+                    </a:ext>
+                  </a:extLst>
+                </p:cNvPr>
+                <p:cNvPicPr>
+                  <a:picLocks noChangeAspect="1"/>
+                </p:cNvPicPr>
+                <p:nvPr/>
+              </p:nvPicPr>
+              <p:blipFill rotWithShape="1">
+                <a:blip r:embed="rId4">
+                  <a:extLst>
+                    <a:ext uri="{28A0092B-C50C-407E-A947-70E740481C1C}">
+                      <a14:useLocalDpi xmlns:a14="http://schemas.microsoft.com/office/drawing/2010/main" val="0"/>
+                    </a:ext>
+                  </a:extLst>
+                </a:blip>
+                <a:srcRect b="32498"/>
+                <a:stretch/>
+              </p:blipFill>
+              <p:spPr>
+                <a:xfrm>
+                  <a:off x="497643" y="-55401"/>
+                  <a:ext cx="1798318" cy="1213905"/>
+                </a:xfrm>
+                <a:prstGeom prst="rect">
+                  <a:avLst/>
+                </a:prstGeom>
+                <a:effectLst>
+                  <a:glow rad="444500">
+                    <a:schemeClr val="accent5">
+                      <a:satMod val="175000"/>
+                      <a:alpha val="20000"/>
+                    </a:schemeClr>
+                  </a:glow>
+                  <a:reflection blurRad="6350" stA="50000" endA="300" endPos="55000" dir="5400000" sy="-100000" algn="bl" rotWithShape="0"/>
+                </a:effectLst>
+              </p:spPr>
+            </p:pic>
+            <p:pic>
+              <p:nvPicPr>
+                <p:cNvPr id="5" name="图片 4">
+                  <a:extLst>
+                    <a:ext uri="{FF2B5EF4-FFF2-40B4-BE49-F238E27FC236}">
+                      <a16:creationId xmlns:a16="http://schemas.microsoft.com/office/drawing/2014/main" id="{38D18D03-3D3A-4A55-BEF9-8C675B7DD898}"/>
+                    </a:ext>
+                  </a:extLst>
+                </p:cNvPr>
+                <p:cNvPicPr>
+                  <a:picLocks noChangeAspect="1"/>
+                </p:cNvPicPr>
+                <p:nvPr/>
+              </p:nvPicPr>
+              <p:blipFill>
+                <a:blip r:embed="rId5">
+                  <a:extLst>
+                    <a:ext uri="{28A0092B-C50C-407E-A947-70E740481C1C}">
+                      <a14:useLocalDpi xmlns:a14="http://schemas.microsoft.com/office/drawing/2010/main" val="0"/>
+                    </a:ext>
+                  </a:extLst>
+                </a:blip>
+                <a:stretch>
+                  <a:fillRect/>
+                </a:stretch>
+              </p:blipFill>
+              <p:spPr>
+                <a:xfrm>
+                  <a:off x="1094457" y="929121"/>
+                  <a:ext cx="1452563" cy="952500"/>
+                </a:xfrm>
+                <a:prstGeom prst="rect">
+                  <a:avLst/>
+                </a:prstGeom>
+                <a:effectLst>
+                  <a:reflection blurRad="6350" stA="52000" endA="300" endPos="35000" dir="5400000" sy="-100000" algn="bl" rotWithShape="0"/>
+                </a:effectLst>
+              </p:spPr>
+            </p:pic>
+            <p:pic>
+              <p:nvPicPr>
+                <p:cNvPr id="9" name="图片 8">
+                  <a:extLst>
+                    <a:ext uri="{FF2B5EF4-FFF2-40B4-BE49-F238E27FC236}">
+                      <a16:creationId xmlns:a16="http://schemas.microsoft.com/office/drawing/2014/main" id="{9D042749-DF3F-C9A7-E897-8D182E42F559}"/>
+                    </a:ext>
+                  </a:extLst>
+                </p:cNvPr>
+                <p:cNvPicPr>
+                  <a:picLocks noChangeAspect="1"/>
+                </p:cNvPicPr>
+                <p:nvPr/>
+              </p:nvPicPr>
+              <p:blipFill rotWithShape="1">
+                <a:blip r:embed="rId6">
+                  <a:extLst>
+                    <a:ext uri="{28A0092B-C50C-407E-A947-70E740481C1C}">
+                      <a14:useLocalDpi xmlns:a14="http://schemas.microsoft.com/office/drawing/2010/main" val="0"/>
+                    </a:ext>
+                  </a:extLst>
+                </a:blip>
+                <a:srcRect l="1882" r="-1882" b="28128"/>
+                <a:stretch/>
+              </p:blipFill>
+              <p:spPr>
+                <a:xfrm rot="1800000">
+                  <a:off x="1686442" y="902698"/>
+                  <a:ext cx="1033392" cy="742719"/>
+                </a:xfrm>
+                <a:prstGeom prst="rect">
+                  <a:avLst/>
+                </a:prstGeom>
+              </p:spPr>
+            </p:pic>
+          </p:grpSp>
+          <p:sp>
+            <p:nvSpPr>
+              <p:cNvPr id="3" name="矩形 2">
+                <a:extLst>
+                  <a:ext uri="{FF2B5EF4-FFF2-40B4-BE49-F238E27FC236}">
+                    <a16:creationId xmlns:a16="http://schemas.microsoft.com/office/drawing/2014/main" id="{C4F0532B-E6C2-4E57-A6F2-A41B7A08765E}"/>
+                  </a:ext>
+                </a:extLst>
+              </p:cNvPr>
+              <p:cNvSpPr/>
+              <p:nvPr/>
+            </p:nvSpPr>
+            <p:spPr>
+              <a:xfrm>
+                <a:off x="770822" y="742926"/>
+                <a:ext cx="8546055" cy="984565"/>
+              </a:xfrm>
+              <a:prstGeom prst="rect">
+                <a:avLst/>
+              </a:prstGeom>
+              <a:noFill/>
+              <a:effectLst>
+                <a:glow rad="228600">
+                  <a:schemeClr val="accent4">
+                    <a:satMod val="175000"/>
+                    <a:alpha val="40000"/>
+                  </a:schemeClr>
+                </a:glow>
+              </a:effectLst>
+            </p:spPr>
+            <p:txBody>
+              <a:bodyPr wrap="square" lIns="60957" tIns="30480" rIns="60957" bIns="30480">
+                <a:spAutoFit/>
+              </a:bodyPr>
+              <a:lstStyle/>
+              <a:p>
+                <a:pPr algn="ctr"/>
+                <a:r>
+                  <a:rPr lang="en-US" altLang="zh-CN" sz="5998" dirty="0">
+                    <a:ln w="0"/>
+                    <a:solidFill>
+                      <a:srgbClr val="6B4226"/>
+                    </a:solidFill>
+                    <a:effectLst>
+                      <a:outerShdw blurRad="50800" dist="38100" algn="l" rotWithShape="0">
+                        <a:prstClr val="black">
+                          <a:alpha val="40000"/>
+                        </a:prstClr>
+                      </a:outerShdw>
+                      <a:reflection blurRad="6350" stA="60000" endA="900" endPos="60000" dist="29997" dir="5400000" sy="-100000" algn="bl" rotWithShape="0"/>
+                    </a:effectLst>
+                    <a:latin typeface="Bahnschrift SemiBold Condensed" panose="020B0502040204020203" pitchFamily="34" charset="0"/>
+                  </a:rPr>
+                  <a:t>Boot</a:t>
+                </a:r>
+                <a:r>
+                  <a:rPr lang="en-US" altLang="zh-CN" sz="5998" dirty="0">
+                    <a:ln w="0"/>
+                    <a:solidFill>
+                      <a:srgbClr val="264C80"/>
+                    </a:solidFill>
+                    <a:effectLst>
+                      <a:outerShdw blurRad="50800" dist="38100" algn="l" rotWithShape="0">
+                        <a:prstClr val="black">
+                          <a:alpha val="40000"/>
+                        </a:prstClr>
+                      </a:outerShdw>
+                      <a:reflection blurRad="6350" stA="60000" endA="900" endPos="60000" dist="29997" dir="5400000" sy="-100000" algn="bl" rotWithShape="0"/>
+                    </a:effectLst>
+                    <a:latin typeface="Bahnschrift SemiBold Condensed" panose="020B0502040204020203" pitchFamily="34" charset="0"/>
+                  </a:rPr>
+                  <a:t>l</a:t>
+                </a:r>
+                <a:r>
+                  <a:rPr lang="en-US" altLang="zh-CN" sz="5998" dirty="0">
+                    <a:ln w="0"/>
+                    <a:solidFill>
+                      <a:srgbClr val="FF6E40"/>
+                    </a:solidFill>
+                    <a:effectLst>
+                      <a:outerShdw blurRad="50800" dist="38100" algn="l" rotWithShape="0">
+                        <a:prstClr val="black">
+                          <a:alpha val="40000"/>
+                        </a:prstClr>
+                      </a:outerShdw>
+                      <a:reflection blurRad="6350" stA="60000" endA="900" endPos="60000" dist="29997" dir="5400000" sy="-100000" algn="bl" rotWithShape="0"/>
+                    </a:effectLst>
+                    <a:latin typeface="Bahnschrift SemiBold Condensed" panose="020B0502040204020203" pitchFamily="34" charset="0"/>
+                  </a:rPr>
+                  <a:t>o</a:t>
+                </a:r>
+                <a:r>
+                  <a:rPr lang="en-US" altLang="zh-CN" sz="5998" dirty="0">
+                    <a:ln w="0"/>
+                    <a:solidFill>
+                      <a:srgbClr val="01AF9C"/>
+                    </a:solidFill>
+                    <a:effectLst>
+                      <a:outerShdw blurRad="50800" dist="38100" algn="l" rotWithShape="0">
+                        <a:prstClr val="black">
+                          <a:alpha val="40000"/>
+                        </a:prstClr>
+                      </a:outerShdw>
+                      <a:reflection blurRad="6350" stA="60000" endA="900" endPos="60000" dist="29997" dir="5400000" sy="-100000" algn="bl" rotWithShape="0"/>
+                    </a:effectLst>
+                    <a:latin typeface="Bahnschrift SemiBold Condensed" panose="020B0502040204020203" pitchFamily="34" charset="0"/>
+                  </a:rPr>
+                  <a:t>a</a:t>
+                </a:r>
+                <a:r>
+                  <a:rPr lang="en-US" altLang="zh-CN" sz="5998" dirty="0">
+                    <a:ln w="0"/>
+                    <a:solidFill>
+                      <a:srgbClr val="264C80"/>
+                    </a:solidFill>
+                    <a:effectLst>
+                      <a:outerShdw blurRad="50800" dist="38100" algn="l" rotWithShape="0">
+                        <a:prstClr val="black">
+                          <a:alpha val="40000"/>
+                        </a:prstClr>
+                      </a:outerShdw>
+                      <a:reflection blurRad="6350" stA="60000" endA="900" endPos="60000" dist="29997" dir="5400000" sy="-100000" algn="bl" rotWithShape="0"/>
+                    </a:effectLst>
+                    <a:latin typeface="Bahnschrift SemiBold Condensed" panose="020B0502040204020203" pitchFamily="34" charset="0"/>
+                  </a:rPr>
+                  <a:t>d</a:t>
+                </a:r>
+                <a:r>
+                  <a:rPr lang="en-US" altLang="zh-CN" sz="5998" dirty="0">
+                    <a:ln w="0"/>
+                    <a:solidFill>
+                      <a:srgbClr val="AD7B5A"/>
+                    </a:solidFill>
+                    <a:effectLst>
+                      <a:outerShdw blurRad="50800" dist="38100" algn="l" rotWithShape="0">
+                        <a:prstClr val="black">
+                          <a:alpha val="40000"/>
+                        </a:prstClr>
+                      </a:outerShdw>
+                      <a:reflection blurRad="6350" stA="60000" endA="900" endPos="60000" dist="29997" dir="5400000" sy="-100000" algn="bl" rotWithShape="0"/>
+                    </a:effectLst>
+                    <a:latin typeface="Bahnschrift SemiBold Condensed" panose="020B0502040204020203" pitchFamily="34" charset="0"/>
+                  </a:rPr>
+                  <a:t>er</a:t>
+                </a:r>
+                <a:r>
+                  <a:rPr lang="en-US" altLang="zh-CN" sz="5998" dirty="0">
+                    <a:ln w="0"/>
+                    <a:effectLst>
+                      <a:outerShdw blurRad="38100" dist="19050" dir="2700000" algn="tl" rotWithShape="0">
+                        <a:schemeClr val="dk1">
+                          <a:alpha val="40000"/>
+                        </a:schemeClr>
+                      </a:outerShdw>
+                    </a:effectLst>
+                    <a:latin typeface="Bahnschrift" panose="020B0502040204020203" pitchFamily="34" charset="0"/>
+                  </a:rPr>
+                  <a:t> </a:t>
+                </a:r>
+                <a:r>
+                  <a:rPr lang="en-US" altLang="zh-CN" sz="5998" dirty="0">
+                    <a:ln w="0"/>
+                    <a:solidFill>
+                      <a:srgbClr val="40A4EC"/>
+                    </a:solidFill>
+                    <a:effectLst>
+                      <a:outerShdw blurRad="38100" dist="19050" dir="2700000" algn="tl" rotWithShape="0">
+                        <a:schemeClr val="dk1">
+                          <a:alpha val="40000"/>
+                        </a:schemeClr>
+                      </a:outerShdw>
+                      <a:reflection blurRad="6350" stA="55000" endA="50" endPos="85000" dir="5400000" sy="-100000" algn="bl" rotWithShape="0"/>
+                    </a:effectLst>
+                    <a:latin typeface="Freestyle Script" panose="030804020302050B0404" pitchFamily="66" charset="0"/>
+                  </a:rPr>
+                  <a:t>for</a:t>
+                </a:r>
+                <a:r>
+                  <a:rPr lang="en-US" altLang="zh-CN" sz="5998" dirty="0">
+                    <a:ln w="0"/>
+                    <a:effectLst>
+                      <a:outerShdw blurRad="38100" dist="19050" dir="2700000" algn="tl" rotWithShape="0">
+                        <a:schemeClr val="dk1">
+                          <a:alpha val="40000"/>
+                        </a:schemeClr>
+                      </a:outerShdw>
+                    </a:effectLst>
+                    <a:latin typeface="Bahnschrift" panose="020B0502040204020203" pitchFamily="34" charset="0"/>
+                  </a:rPr>
+                  <a:t> </a:t>
+                </a:r>
+                <a:r>
+                  <a:rPr lang="en-US" altLang="zh-CN" sz="5998" dirty="0" err="1">
+                    <a:ln w="0"/>
+                    <a:solidFill>
+                      <a:srgbClr val="264C80"/>
+                    </a:solidFill>
+                    <a:effectLst>
+                      <a:glow rad="101600">
+                        <a:srgbClr val="40A4EC"/>
+                      </a:glow>
+                    </a:effectLst>
+                    <a:latin typeface="Nirmala UI Semilight" panose="020B0402040204020203" pitchFamily="34" charset="0"/>
+                    <a:ea typeface="Nirmala UI Semilight" panose="020B0402040204020203" pitchFamily="34" charset="0"/>
+                    <a:cs typeface="Nirmala UI Semilight" panose="020B0402040204020203" pitchFamily="34" charset="0"/>
+                  </a:rPr>
+                  <a:t>Bliss</a:t>
+                </a:r>
+                <a:r>
+                  <a:rPr lang="en-US" altLang="zh-CN" sz="5998" dirty="0" err="1">
+                    <a:ln w="0"/>
+                    <a:effectLst>
+                      <a:outerShdw blurRad="50800" dist="88900" dir="2700000" algn="tl" rotWithShape="0">
+                        <a:prstClr val="black">
+                          <a:alpha val="55000"/>
+                        </a:prstClr>
+                      </a:outerShdw>
+                    </a:effectLst>
+                    <a:latin typeface="Nirmala UI Semilight" panose="020B0402040204020203" pitchFamily="34" charset="0"/>
+                    <a:ea typeface="Nirmala UI Semilight" panose="020B0402040204020203" pitchFamily="34" charset="0"/>
+                    <a:cs typeface="Nirmala UI Semilight" panose="020B0402040204020203" pitchFamily="34" charset="0"/>
+                  </a:rPr>
+                  <a:t>OS</a:t>
+                </a:r>
+                <a:endParaRPr lang="zh-CN" altLang="en-US" sz="5998" dirty="0">
+                  <a:ln w="0"/>
+                  <a:effectLst>
+                    <a:outerShdw blurRad="50800" dist="88900" dir="2700000" algn="tl" rotWithShape="0">
+                      <a:prstClr val="black">
+                        <a:alpha val="55000"/>
+                      </a:prstClr>
+                    </a:outerShdw>
+                  </a:effectLst>
+                  <a:latin typeface="Nirmala UI Semilight" panose="020B0402040204020203" pitchFamily="34" charset="0"/>
+                  <a:cs typeface="Nirmala UI Semilight" panose="020B0402040204020203" pitchFamily="34" charset="0"/>
+                </a:endParaRPr>
+              </a:p>
+            </p:txBody>
+          </p:sp>
+        </p:grpSp>
+        <p:sp>
+          <p:nvSpPr>
+            <p:cNvPr id="6" name="文本框 5">
+              <a:extLst>
+                <a:ext uri="{FF2B5EF4-FFF2-40B4-BE49-F238E27FC236}">
+                  <a16:creationId xmlns:a16="http://schemas.microsoft.com/office/drawing/2014/main" id="{58A214E7-1ACA-C1E3-E755-675FA9DA1200}"/>
+                </a:ext>
+              </a:extLst>
+            </p:cNvPr>
+            <p:cNvSpPr txBox="1"/>
+            <p:nvPr/>
+          </p:nvSpPr>
+          <p:spPr>
+            <a:xfrm>
+              <a:off x="3585757" y="1727491"/>
+              <a:ext cx="2916183" cy="369332"/>
+            </a:xfrm>
+            <a:prstGeom prst="rect">
+              <a:avLst/>
+            </a:prstGeom>
+            <a:noFill/>
+            <a:effectLst>
+              <a:glow rad="139700">
+                <a:schemeClr val="accent1">
+                  <a:satMod val="175000"/>
+                  <a:alpha val="40000"/>
+                </a:schemeClr>
+              </a:glow>
+            </a:effectLst>
+          </p:spPr>
+          <p:txBody>
+            <a:bodyPr wrap="none" rtlCol="0">
+              <a:spAutoFit/>
+            </a:bodyPr>
+            <a:lstStyle/>
+            <a:p>
+              <a:r>
+                <a:rPr lang="en-US" altLang="zh-CN" dirty="0">
+                  <a:solidFill>
+                    <a:srgbClr val="7030A0"/>
+                  </a:solidFill>
+                  <a:effectLst>
+                    <a:glow rad="139700">
+                      <a:srgbClr val="B17ED8"/>
+                    </a:glow>
+                  </a:effectLst>
+                  <a:latin typeface="Monotype Corsiva" panose="03010101010201010101" pitchFamily="66" charset="0"/>
+                </a:rPr>
+                <a:t>Wish you</a:t>
+              </a:r>
+              <a:r>
+                <a:rPr lang="zh-CN" altLang="en-US" dirty="0">
+                  <a:solidFill>
+                    <a:srgbClr val="7030A0"/>
+                  </a:solidFill>
+                  <a:effectLst>
+                    <a:glow rad="139700">
+                      <a:srgbClr val="B17ED8"/>
+                    </a:glow>
+                  </a:effectLst>
+                  <a:latin typeface="Monotype Corsiva" panose="03010101010201010101" pitchFamily="66" charset="0"/>
+                </a:rPr>
+                <a:t> </a:t>
+              </a:r>
+              <a:r>
+                <a:rPr lang="en-US" altLang="zh-CN" dirty="0">
+                  <a:solidFill>
+                    <a:srgbClr val="7030A0"/>
+                  </a:solidFill>
+                  <a:effectLst>
+                    <a:glow rad="139700">
+                      <a:srgbClr val="B17ED8"/>
+                    </a:glow>
+                  </a:effectLst>
+                  <a:latin typeface="Monotype Corsiva" panose="03010101010201010101" pitchFamily="66" charset="0"/>
+                </a:rPr>
+                <a:t>all more and more</a:t>
+              </a:r>
+              <a:r>
+                <a:rPr lang="zh-CN" altLang="en-US" dirty="0">
+                  <a:solidFill>
+                    <a:srgbClr val="7030A0"/>
+                  </a:solidFill>
+                  <a:effectLst>
+                    <a:glow rad="139700">
+                      <a:srgbClr val="B17ED8"/>
+                    </a:glow>
+                  </a:effectLst>
+                  <a:latin typeface="Monotype Corsiva" panose="03010101010201010101" pitchFamily="66" charset="0"/>
+                </a:rPr>
+                <a:t> </a:t>
+              </a:r>
+              <a:r>
+                <a:rPr lang="en-US" altLang="zh-CN" dirty="0">
+                  <a:solidFill>
+                    <a:srgbClr val="7030A0"/>
+                  </a:solidFill>
+                  <a:effectLst>
+                    <a:glow rad="139700">
+                      <a:srgbClr val="B17ED8"/>
+                    </a:glow>
+                  </a:effectLst>
+                  <a:latin typeface="Monotype Corsiva" panose="03010101010201010101" pitchFamily="66" charset="0"/>
+                </a:rPr>
+                <a:t>bliss!</a:t>
+              </a:r>
+              <a:endParaRPr lang="zh-CN" altLang="en-US" dirty="0">
+                <a:solidFill>
+                  <a:srgbClr val="7030A0"/>
+                </a:solidFill>
+                <a:effectLst>
+                  <a:glow rad="139700">
+                    <a:srgbClr val="B17ED8"/>
+                  </a:glow>
+                </a:effectLst>
+                <a:latin typeface="Monotype Corsiva" panose="03010101010201010101" pitchFamily="66" charset="0"/>
+              </a:endParaRPr>
+            </a:p>
+          </p:txBody>
+        </p:sp>
+      </p:grpSp>
+      <p:sp>
+        <p:nvSpPr>
+          <p:cNvPr id="8" name="文本框 7">
+            <a:extLst>
+              <a:ext uri="{FF2B5EF4-FFF2-40B4-BE49-F238E27FC236}">
+                <a16:creationId xmlns:a16="http://schemas.microsoft.com/office/drawing/2014/main" id="{81C7B1EF-51FC-1ECE-787E-21290ECB18A8}"/>
+              </a:ext>
+            </a:extLst>
+          </p:cNvPr>
+          <p:cNvSpPr txBox="1"/>
+          <p:nvPr/>
+        </p:nvSpPr>
+        <p:spPr>
+          <a:xfrm>
+            <a:off x="-42135" y="-26334"/>
+            <a:ext cx="1355692" cy="276999"/>
+          </a:xfrm>
+          <a:prstGeom prst="rect">
+            <a:avLst/>
+          </a:prstGeom>
+          <a:noFill/>
+        </p:spPr>
+        <p:txBody>
+          <a:bodyPr wrap="none" rtlCol="0">
+            <a:spAutoFit/>
+          </a:bodyPr>
+          <a:lstStyle/>
+          <a:p>
+            <a:r>
+              <a:rPr lang="en-US" altLang="zh-CN" sz="1200" dirty="0"/>
+              <a:t>Designed by</a:t>
+            </a:r>
+            <a:r>
+              <a:rPr lang="zh-CN" altLang="en-US" sz="1200" dirty="0"/>
+              <a:t> </a:t>
+            </a:r>
+            <a:r>
+              <a:rPr lang="en-US" altLang="zh-CN" sz="1200" i="1" dirty="0">
+                <a:latin typeface="French Script MT" panose="03020402040607040605" pitchFamily="66" charset="0"/>
+              </a:rPr>
+              <a:t>Chauncy</a:t>
+            </a:r>
+          </a:p>
+        </p:txBody>
+      </p:sp>
+      <p:grpSp>
+        <p:nvGrpSpPr>
+          <p:cNvPr id="22" name="组合 21">
+            <a:extLst>
+              <a:ext uri="{FF2B5EF4-FFF2-40B4-BE49-F238E27FC236}">
+                <a16:creationId xmlns:a16="http://schemas.microsoft.com/office/drawing/2014/main" id="{526F098B-FA34-C5C9-9942-36F926FF74B0}"/>
+              </a:ext>
+            </a:extLst>
+          </p:cNvPr>
+          <p:cNvGrpSpPr/>
+          <p:nvPr/>
+        </p:nvGrpSpPr>
+        <p:grpSpPr>
+          <a:xfrm>
+            <a:off x="5206902" y="-37217"/>
+            <a:ext cx="4546698" cy="387481"/>
+            <a:chOff x="5206902" y="-37217"/>
+            <a:chExt cx="4546698" cy="387481"/>
+          </a:xfrm>
+        </p:grpSpPr>
+        <p:grpSp>
+          <p:nvGrpSpPr>
+            <p:cNvPr id="13" name="组合 12">
+              <a:extLst>
+                <a:ext uri="{FF2B5EF4-FFF2-40B4-BE49-F238E27FC236}">
+                  <a16:creationId xmlns:a16="http://schemas.microsoft.com/office/drawing/2014/main" id="{AD540A3C-D70C-35CB-FAF0-63068B833B0E}"/>
+                </a:ext>
+              </a:extLst>
+            </p:cNvPr>
+            <p:cNvGrpSpPr/>
+            <p:nvPr/>
+          </p:nvGrpSpPr>
+          <p:grpSpPr>
+            <a:xfrm>
+              <a:off x="5206902" y="-37217"/>
+              <a:ext cx="3165853" cy="277000"/>
+              <a:chOff x="-61106" y="2172113"/>
+              <a:chExt cx="3165853" cy="277000"/>
+            </a:xfrm>
+          </p:grpSpPr>
+          <p:sp>
+            <p:nvSpPr>
+              <p:cNvPr id="12" name="文本框 11">
+                <a:extLst>
+                  <a:ext uri="{FF2B5EF4-FFF2-40B4-BE49-F238E27FC236}">
+                    <a16:creationId xmlns:a16="http://schemas.microsoft.com/office/drawing/2014/main" id="{E7A6093A-0B33-CA73-BC8B-61258F502B7C}"/>
+                  </a:ext>
+                </a:extLst>
+              </p:cNvPr>
+              <p:cNvSpPr txBox="1"/>
+              <p:nvPr/>
+            </p:nvSpPr>
+            <p:spPr>
+              <a:xfrm>
+                <a:off x="2104665" y="2172113"/>
+                <a:ext cx="1000082" cy="276999"/>
+              </a:xfrm>
+              <a:prstGeom prst="rect">
+                <a:avLst/>
+              </a:prstGeom>
+              <a:solidFill>
+                <a:srgbClr val="01AF9D"/>
+              </a:solidFill>
+              <a:ln w="76200">
+                <a:solidFill>
+                  <a:srgbClr val="E6EDDC"/>
+                </a:solidFill>
+              </a:ln>
+            </p:spPr>
+            <p:txBody>
+              <a:bodyPr wrap="square" rtlCol="0">
+                <a:spAutoFit/>
+              </a:bodyPr>
+              <a:lstStyle/>
+              <a:p>
+                <a:r>
+                  <a:rPr lang="en-US" altLang="zh-CN" sz="1200" dirty="0" err="1">
+                    <a:solidFill>
+                      <a:schemeClr val="bg1"/>
+                    </a:solidFill>
+                  </a:rPr>
+                  <a:t>i</a:t>
+                </a:r>
+                <a:r>
+                  <a:rPr lang="en-US" altLang="zh-CN" sz="1200" dirty="0" err="1"/>
+                  <a:t>n</a:t>
+                </a:r>
+                <a:r>
+                  <a:rPr lang="en-US" altLang="zh-CN" sz="1200" dirty="0" err="1">
+                    <a:solidFill>
+                      <a:schemeClr val="bg1"/>
+                    </a:solidFill>
+                  </a:rPr>
+                  <a:t>i</a:t>
+                </a:r>
+                <a:r>
+                  <a:rPr lang="en-US" altLang="zh-CN" sz="1200" dirty="0" err="1">
+                    <a:solidFill>
+                      <a:srgbClr val="3847A9"/>
+                    </a:solidFill>
+                  </a:rPr>
+                  <a:t>t</a:t>
+                </a:r>
+                <a:r>
+                  <a:rPr lang="en-US" altLang="zh-CN" sz="1200" dirty="0" err="1">
+                    <a:solidFill>
+                      <a:srgbClr val="FCBCC9"/>
+                    </a:solidFill>
+                  </a:rPr>
+                  <a:t>r</a:t>
+                </a:r>
+                <a:r>
+                  <a:rPr lang="en-US" altLang="zh-CN" sz="1200" dirty="0" err="1">
+                    <a:solidFill>
+                      <a:srgbClr val="3847A9"/>
+                    </a:solidFill>
+                  </a:rPr>
+                  <a:t>d</a:t>
+                </a:r>
+                <a:r>
+                  <a:rPr lang="en-US" altLang="zh-CN" sz="1200" dirty="0" err="1">
+                    <a:solidFill>
+                      <a:srgbClr val="FBBCC9"/>
+                    </a:solidFill>
+                  </a:rPr>
+                  <a:t>-</a:t>
+                </a:r>
+                <a:r>
+                  <a:rPr lang="en-US" altLang="zh-CN" sz="1200" dirty="0" err="1">
+                    <a:solidFill>
+                      <a:srgbClr val="FF6C3D"/>
+                    </a:solidFill>
+                  </a:rPr>
+                  <a:t>m</a:t>
+                </a:r>
+                <a:r>
+                  <a:rPr lang="en-US" altLang="zh-CN" sz="1200" dirty="0" err="1">
+                    <a:solidFill>
+                      <a:schemeClr val="bg1"/>
+                    </a:solidFill>
+                  </a:rPr>
+                  <a:t>a</a:t>
+                </a:r>
+                <a:r>
+                  <a:rPr lang="en-US" altLang="zh-CN" sz="1200" dirty="0" err="1">
+                    <a:solidFill>
+                      <a:srgbClr val="FFB322"/>
+                    </a:solidFill>
+                  </a:rPr>
+                  <a:t>g</a:t>
+                </a:r>
+                <a:r>
+                  <a:rPr lang="en-US" altLang="zh-CN" sz="1200" dirty="0" err="1">
+                    <a:solidFill>
+                      <a:srgbClr val="FF6E40"/>
+                    </a:solidFill>
+                  </a:rPr>
+                  <a:t>i</a:t>
+                </a:r>
+                <a:r>
+                  <a:rPr lang="en-US" altLang="zh-CN" sz="1200" dirty="0" err="1">
+                    <a:solidFill>
+                      <a:schemeClr val="bg1"/>
+                    </a:solidFill>
+                  </a:rPr>
+                  <a:t>s</a:t>
+                </a:r>
+                <a:r>
+                  <a:rPr lang="en-US" altLang="zh-CN" sz="1200" dirty="0" err="1">
+                    <a:solidFill>
+                      <a:srgbClr val="FFB327"/>
+                    </a:solidFill>
+                  </a:rPr>
+                  <a:t>k</a:t>
+                </a:r>
+                <a:endParaRPr lang="zh-CN" altLang="en-US" sz="1200" dirty="0">
+                  <a:solidFill>
+                    <a:srgbClr val="FFB327"/>
+                  </a:solidFill>
+                </a:endParaRPr>
+              </a:p>
+            </p:txBody>
+          </p:sp>
+          <p:sp>
+            <p:nvSpPr>
+              <p:cNvPr id="10" name="文本框 9">
+                <a:extLst>
+                  <a:ext uri="{FF2B5EF4-FFF2-40B4-BE49-F238E27FC236}">
+                    <a16:creationId xmlns:a16="http://schemas.microsoft.com/office/drawing/2014/main" id="{757EF531-D73F-E55F-818E-BF4F53AFB01C}"/>
+                  </a:ext>
+                </a:extLst>
+              </p:cNvPr>
+              <p:cNvSpPr txBox="1"/>
+              <p:nvPr/>
+            </p:nvSpPr>
+            <p:spPr>
+              <a:xfrm>
+                <a:off x="-61106" y="2172114"/>
+                <a:ext cx="2305439" cy="276999"/>
+              </a:xfrm>
+              <a:prstGeom prst="rect">
+                <a:avLst/>
+              </a:prstGeom>
+              <a:noFill/>
+            </p:spPr>
+            <p:txBody>
+              <a:bodyPr wrap="none" rtlCol="0">
+                <a:spAutoFit/>
+              </a:bodyPr>
+              <a:lstStyle/>
+              <a:p>
+                <a:r>
+                  <a:rPr lang="en-US" altLang="zh-CN" sz="1200" dirty="0"/>
+                  <a:t>Thank </a:t>
+                </a:r>
+                <a:r>
+                  <a:rPr lang="en-US" altLang="zh-CN" sz="1200" i="1" dirty="0" err="1">
+                    <a:latin typeface="Segoe Script" panose="030B0504020000000003" pitchFamily="66" charset="0"/>
+                    <a:cs typeface="MV Boli" panose="02000500030200090000" pitchFamily="2" charset="0"/>
+                  </a:rPr>
+                  <a:t>Shìwēi</a:t>
+                </a:r>
+                <a:r>
+                  <a:rPr lang="en-US" altLang="zh-CN" sz="1200" i="1" dirty="0">
+                    <a:latin typeface="Segoe Script" panose="030B0504020000000003" pitchFamily="66" charset="0"/>
+                    <a:cs typeface="MV Boli" panose="02000500030200090000" pitchFamily="2" charset="0"/>
+                  </a:rPr>
+                  <a:t> Nguyen </a:t>
+                </a:r>
+                <a:r>
+                  <a:rPr lang="en-US" altLang="zh-CN" sz="1200" dirty="0"/>
+                  <a:t>for his</a:t>
+                </a:r>
+                <a:endParaRPr lang="zh-CN" altLang="en-US" sz="1200" dirty="0"/>
+              </a:p>
+            </p:txBody>
+          </p:sp>
+        </p:grpSp>
+        <p:pic>
+          <p:nvPicPr>
+            <p:cNvPr id="15" name="图片 14">
+              <a:extLst>
+                <a:ext uri="{FF2B5EF4-FFF2-40B4-BE49-F238E27FC236}">
+                  <a16:creationId xmlns:a16="http://schemas.microsoft.com/office/drawing/2014/main" id="{311189AD-8F71-0888-7887-42ADEBC6DEFC}"/>
+                </a:ext>
+              </a:extLst>
+            </p:cNvPr>
+            <p:cNvPicPr>
+              <a:picLocks noChangeAspect="1"/>
+            </p:cNvPicPr>
+            <p:nvPr/>
+          </p:nvPicPr>
+          <p:blipFill>
+            <a:blip r:embed="rId7">
+              <a:extLst>
+                <a:ext uri="{28A0092B-C50C-407E-A947-70E740481C1C}">
+                  <a14:useLocalDpi xmlns:a14="http://schemas.microsoft.com/office/drawing/2010/main" val="0"/>
+                </a:ext>
+              </a:extLst>
+            </a:blip>
+            <a:stretch>
+              <a:fillRect/>
+            </a:stretch>
+          </p:blipFill>
+          <p:spPr>
+            <a:xfrm>
+              <a:off x="8301037" y="0"/>
+              <a:ext cx="1452563" cy="350264"/>
+            </a:xfrm>
+            <a:prstGeom prst="rect">
+              <a:avLst/>
+            </a:prstGeom>
+          </p:spPr>
+        </p:pic>
+      </p:grpSp>
+      <p:grpSp>
+        <p:nvGrpSpPr>
+          <p:cNvPr id="14" name="组合 13">
+            <a:extLst>
+              <a:ext uri="{FF2B5EF4-FFF2-40B4-BE49-F238E27FC236}">
+                <a16:creationId xmlns:a16="http://schemas.microsoft.com/office/drawing/2014/main" id="{761408C9-26EF-AE56-D254-FD7368D975C5}"/>
+              </a:ext>
+            </a:extLst>
+          </p:cNvPr>
+          <p:cNvGrpSpPr/>
+          <p:nvPr/>
+        </p:nvGrpSpPr>
+        <p:grpSpPr>
+          <a:xfrm>
+            <a:off x="5538890" y="1803145"/>
+            <a:ext cx="4214710" cy="661563"/>
+            <a:chOff x="5538890" y="1803145"/>
+            <a:chExt cx="4214710" cy="661563"/>
+          </a:xfrm>
+        </p:grpSpPr>
+        <p:sp>
+          <p:nvSpPr>
+            <p:cNvPr id="17" name="文本框 16">
+              <a:extLst>
+                <a:ext uri="{FF2B5EF4-FFF2-40B4-BE49-F238E27FC236}">
+                  <a16:creationId xmlns:a16="http://schemas.microsoft.com/office/drawing/2014/main" id="{4DC1F0CD-AC7E-5571-BA27-DCE3B2F5C5E6}"/>
+                </a:ext>
+              </a:extLst>
+            </p:cNvPr>
+            <p:cNvSpPr txBox="1"/>
+            <p:nvPr/>
+          </p:nvSpPr>
+          <p:spPr>
+            <a:xfrm>
+              <a:off x="5538890" y="2187709"/>
+              <a:ext cx="3220753" cy="276999"/>
+            </a:xfrm>
+            <a:prstGeom prst="rect">
+              <a:avLst/>
+            </a:prstGeom>
+            <a:noFill/>
+          </p:spPr>
+          <p:txBody>
+            <a:bodyPr wrap="none" rtlCol="0">
+              <a:spAutoFit/>
+            </a:bodyPr>
+            <a:lstStyle/>
+            <a:p>
+              <a:r>
+                <a:rPr lang="en-US" altLang="zh-CN" sz="1200" dirty="0"/>
+                <a:t>Thank </a:t>
+              </a:r>
+              <a:r>
+                <a:rPr lang="en-US" altLang="zh-CN" sz="1200" i="1" dirty="0" err="1">
+                  <a:latin typeface="Segoe Script" panose="030B0504020000000003" pitchFamily="66" charset="0"/>
+                </a:rPr>
+                <a:t>Huy</a:t>
+              </a:r>
+              <a:r>
+                <a:rPr lang="en-US" altLang="zh-CN" sz="1200" i="1" dirty="0">
+                  <a:latin typeface="Segoe Script" panose="030B0504020000000003" pitchFamily="66" charset="0"/>
+                </a:rPr>
+                <a:t> Minh </a:t>
+              </a:r>
+              <a:r>
+                <a:rPr lang="en-US" altLang="zh-CN" sz="1200" i="1" dirty="0" err="1">
+                  <a:latin typeface="Segoe Script" panose="030B0504020000000003" pitchFamily="66" charset="0"/>
+                </a:rPr>
+                <a:t>Bùi</a:t>
+              </a:r>
+              <a:r>
+                <a:rPr lang="en-US" altLang="zh-CN" sz="1200" i="1" dirty="0">
+                  <a:latin typeface="Segoe Script" panose="030B0504020000000003" pitchFamily="66" charset="0"/>
+                </a:rPr>
+                <a:t> </a:t>
+              </a:r>
+              <a:r>
+                <a:rPr lang="en-US" altLang="zh-CN" sz="1200" dirty="0"/>
+                <a:t>and </a:t>
+              </a:r>
+              <a:r>
+                <a:rPr lang="en-US" altLang="zh-CN" sz="1200" i="1" dirty="0">
+                  <a:latin typeface="Segoe Script" panose="030B0504020000000003" pitchFamily="66" charset="0"/>
+                </a:rPr>
+                <a:t>K</a:t>
+              </a:r>
+              <a:r>
+                <a:rPr lang="en-US" altLang="zh-CN" sz="1200" dirty="0"/>
+                <a:t> for their help </a:t>
+              </a:r>
+              <a:endParaRPr lang="zh-CN" altLang="en-US" sz="1200" dirty="0">
+                <a:latin typeface="Segoe Script" panose="030B0504020000000003" pitchFamily="66" charset="0"/>
+              </a:endParaRPr>
+            </a:p>
+          </p:txBody>
+        </p:sp>
+        <p:grpSp>
+          <p:nvGrpSpPr>
+            <p:cNvPr id="19" name="组合 18">
+              <a:extLst>
+                <a:ext uri="{FF2B5EF4-FFF2-40B4-BE49-F238E27FC236}">
+                  <a16:creationId xmlns:a16="http://schemas.microsoft.com/office/drawing/2014/main" id="{0F2DE4B0-6F0F-057E-256A-1FC258BA2A55}"/>
+                </a:ext>
+              </a:extLst>
+            </p:cNvPr>
+            <p:cNvGrpSpPr/>
+            <p:nvPr/>
+          </p:nvGrpSpPr>
+          <p:grpSpPr>
+            <a:xfrm>
+              <a:off x="8576903" y="1803145"/>
+              <a:ext cx="1176697" cy="634016"/>
+              <a:chOff x="8576903" y="0"/>
+              <a:chExt cx="1176697" cy="634016"/>
+            </a:xfrm>
+          </p:grpSpPr>
+          <p:pic>
+            <p:nvPicPr>
+              <p:cNvPr id="20" name="图片 19">
+                <a:extLst>
+                  <a:ext uri="{FF2B5EF4-FFF2-40B4-BE49-F238E27FC236}">
+                    <a16:creationId xmlns:a16="http://schemas.microsoft.com/office/drawing/2014/main" id="{D16B4ED2-0DD5-1F2C-704C-B31A3952233A}"/>
+                  </a:ext>
+                </a:extLst>
+              </p:cNvPr>
+              <p:cNvPicPr>
+                <a:picLocks noChangeAspect="1"/>
+              </p:cNvPicPr>
+              <p:nvPr/>
+            </p:nvPicPr>
+            <p:blipFill>
+              <a:blip r:embed="rId8">
+                <a:extLst>
+                  <a:ext uri="{28A0092B-C50C-407E-A947-70E740481C1C}">
+                    <a14:useLocalDpi xmlns:a14="http://schemas.microsoft.com/office/drawing/2010/main" val="0"/>
+                  </a:ext>
+                </a:extLst>
+              </a:blip>
+              <a:stretch>
+                <a:fillRect/>
+              </a:stretch>
+            </p:blipFill>
+            <p:spPr>
+              <a:xfrm>
+                <a:off x="8576903" y="0"/>
+                <a:ext cx="1176697" cy="310315"/>
+              </a:xfrm>
+              <a:prstGeom prst="rect">
+                <a:avLst/>
+              </a:prstGeom>
+            </p:spPr>
+          </p:pic>
+          <p:pic>
+            <p:nvPicPr>
+              <p:cNvPr id="21" name="图片 20">
+                <a:extLst>
+                  <a:ext uri="{FF2B5EF4-FFF2-40B4-BE49-F238E27FC236}">
+                    <a16:creationId xmlns:a16="http://schemas.microsoft.com/office/drawing/2014/main" id="{07E95B71-3826-A7C3-B921-426A8830F76C}"/>
+                  </a:ext>
+                </a:extLst>
+              </p:cNvPr>
+              <p:cNvPicPr>
+                <a:picLocks noChangeAspect="1"/>
+              </p:cNvPicPr>
+              <p:nvPr/>
+            </p:nvPicPr>
+            <p:blipFill>
+              <a:blip r:embed="rId9">
+                <a:extLst>
+                  <a:ext uri="{28A0092B-C50C-407E-A947-70E740481C1C}">
+                    <a14:useLocalDpi xmlns:a14="http://schemas.microsoft.com/office/drawing/2010/main" val="0"/>
+                  </a:ext>
+                </a:extLst>
+              </a:blip>
+              <a:stretch>
+                <a:fillRect/>
+              </a:stretch>
+            </p:blipFill>
+            <p:spPr>
+              <a:xfrm>
+                <a:off x="8576903" y="310315"/>
+                <a:ext cx="1176697" cy="323701"/>
+              </a:xfrm>
+              <a:prstGeom prst="rect">
+                <a:avLst/>
+              </a:prstGeom>
+            </p:spPr>
+          </p:pic>
+        </p:grpSp>
+      </p:grpSp>
+    </p:spTree>
+    <p:extLst>
+      <p:ext uri="{BB962C8B-B14F-4D97-AF65-F5344CB8AC3E}">
+        <p14:creationId xmlns:p14="http://schemas.microsoft.com/office/powerpoint/2010/main" val="550559916"/>
+      </p:ext>
+    </p:extLst>
+  </p:cSld>
+  <p:clrMapOvr>
+    <a:masterClrMapping/>
+  </p:clrMapOvr>
+</p:sld>
+</file>
+
+<file path=ppt/slides/slide2.xml><?xml version="1.0" encoding="utf-8"?>
+<p:sld xmlns:a="http://schemas.openxmlformats.org/drawingml/2006/main" xmlns:r="http://schemas.openxmlformats.org/officeDocument/2006/relationships" xmlns:p="http://schemas.openxmlformats.org/presentationml/2006/main">
+  <p:cSld>
+    <p:bg>
+      <p:bgPr>
+        <a:solidFill>
+          <a:srgbClr val="E6EDDC"/>
+        </a:solidFill>
+        <a:effectLst/>
+      </p:bgPr>
+    </p:bg>
+    <p:spTree>
+      <p:nvGrpSpPr>
+        <p:cNvPr id="1" name=""/>
+        <p:cNvGrpSpPr/>
+        <p:nvPr/>
+      </p:nvGrpSpPr>
+      <p:grpSpPr>
+        <a:xfrm>
+          <a:off x="0" y="0"/>
+          <a:ext cx="0" cy="0"/>
+          <a:chOff x="0" y="0"/>
+          <a:chExt cx="0" cy="0"/>
+        </a:xfrm>
+      </p:grpSpPr>
+      <p:sp>
+        <p:nvSpPr>
+          <p:cNvPr id="8" name="文本框 7">
+            <a:extLst>
+              <a:ext uri="{FF2B5EF4-FFF2-40B4-BE49-F238E27FC236}">
+                <a16:creationId xmlns:a16="http://schemas.microsoft.com/office/drawing/2014/main" id="{81C7B1EF-51FC-1ECE-787E-21290ECB18A8}"/>
+              </a:ext>
+            </a:extLst>
+          </p:cNvPr>
+          <p:cNvSpPr txBox="1"/>
+          <p:nvPr/>
+        </p:nvSpPr>
+        <p:spPr>
+          <a:xfrm>
+            <a:off x="-42135" y="-26334"/>
+            <a:ext cx="1355692" cy="276999"/>
+          </a:xfrm>
+          <a:prstGeom prst="rect">
+            <a:avLst/>
+          </a:prstGeom>
+          <a:noFill/>
+        </p:spPr>
+        <p:txBody>
+          <a:bodyPr wrap="none" rtlCol="0">
+            <a:spAutoFit/>
+          </a:bodyPr>
+          <a:lstStyle/>
+          <a:p>
+            <a:pPr marL="0" marR="0" lvl="0" indent="0" algn="l" defTabSz="457200" rtl="0" eaLnBrk="1" fontAlgn="auto" latinLnBrk="0" hangingPunct="1">
+              <a:lnSpc>
+                <a:spcPct val="100000"/>
+              </a:lnSpc>
+              <a:spcBef>
+                <a:spcPts val="0"/>
+              </a:spcBef>
+              <a:spcAft>
+                <a:spcPts val="0"/>
+              </a:spcAft>
+              <a:buClrTx/>
+              <a:buSzTx/>
+              <a:buFontTx/>
+              <a:buNone/>
+              <a:tabLst/>
+              <a:defRPr/>
+            </a:pPr>
+            <a:r>
+              <a:rPr kumimoji="0" lang="en-US" altLang="zh-CN" sz="1200" b="0" i="0" u="none" strike="noStrike" kern="1200" cap="none" spc="0" normalizeH="0" baseline="0" noProof="0" dirty="0">
+                <a:ln>
+                  <a:noFill/>
+                </a:ln>
+                <a:solidFill>
+                  <a:prstClr val="black"/>
+                </a:solidFill>
+                <a:effectLst/>
+                <a:uLnTx/>
+                <a:uFillTx/>
+                <a:latin typeface="Calibri" panose="020F0502020204030204"/>
+                <a:ea typeface="等线" panose="02010600030101010101" pitchFamily="2" charset="-122"/>
+                <a:cs typeface="+mn-cs"/>
+              </a:rPr>
+              <a:t>Designed by</a:t>
+            </a:r>
+            <a:r>
+              <a:rPr kumimoji="0" lang="zh-CN" altLang="en-US" sz="1200" b="0" i="0" u="none" strike="noStrike" kern="1200" cap="none" spc="0" normalizeH="0" baseline="0" noProof="0" dirty="0">
+                <a:ln>
+                  <a:noFill/>
+                </a:ln>
+                <a:solidFill>
+                  <a:prstClr val="black"/>
+                </a:solidFill>
+                <a:effectLst/>
+                <a:uLnTx/>
+                <a:uFillTx/>
+                <a:latin typeface="Calibri" panose="020F0502020204030204"/>
+                <a:ea typeface="等线" panose="02010600030101010101" pitchFamily="2" charset="-122"/>
+                <a:cs typeface="+mn-cs"/>
+              </a:rPr>
+              <a:t> </a:t>
+            </a:r>
+            <a:r>
+              <a:rPr kumimoji="0" lang="en-US" altLang="zh-CN" sz="1200" b="0" i="1" u="none" strike="noStrike" kern="1200" cap="none" spc="0" normalizeH="0" baseline="0" noProof="0" dirty="0">
+                <a:ln>
+                  <a:noFill/>
+                </a:ln>
+                <a:solidFill>
+                  <a:prstClr val="black"/>
+                </a:solidFill>
+                <a:effectLst/>
+                <a:uLnTx/>
+                <a:uFillTx/>
+                <a:latin typeface="French Script MT" panose="03020402040607040605" pitchFamily="66" charset="0"/>
+                <a:ea typeface="等线" panose="02010600030101010101" pitchFamily="2" charset="-122"/>
+                <a:cs typeface="+mn-cs"/>
+              </a:rPr>
+              <a:t>Chauncy</a:t>
+            </a:r>
+          </a:p>
+        </p:txBody>
+      </p:sp>
+      <p:grpSp>
+        <p:nvGrpSpPr>
+          <p:cNvPr id="12" name="组合 11">
+            <a:extLst>
+              <a:ext uri="{FF2B5EF4-FFF2-40B4-BE49-F238E27FC236}">
+                <a16:creationId xmlns:a16="http://schemas.microsoft.com/office/drawing/2014/main" id="{88F3EDBB-ADE4-835C-C341-076E205ECE60}"/>
               </a:ext>
             </a:extLst>
           </p:cNvPr>
@@ -3027,7 +4821,7 @@
             <p:nvPr/>
           </p:nvPicPr>
           <p:blipFill rotWithShape="1">
-            <a:blip r:embed="rId2">
+            <a:blip r:embed="rId3">
               <a:extLst>
                 <a:ext uri="{28A0092B-C50C-407E-A947-70E740481C1C}">
                   <a14:useLocalDpi xmlns:a14="http://schemas.microsoft.com/office/drawing/2010/main" val="0"/>
@@ -3091,7 +4885,7 @@
               <p:nvPr/>
             </p:nvPicPr>
             <p:blipFill rotWithShape="1">
-              <a:blip r:embed="rId3">
+              <a:blip r:embed="rId4">
                 <a:extLst>
                   <a:ext uri="{28A0092B-C50C-407E-A947-70E740481C1C}">
                     <a14:useLocalDpi xmlns:a14="http://schemas.microsoft.com/office/drawing/2010/main" val="0"/>
@@ -3135,7 +4929,7 @@
               <p:nvPr/>
             </p:nvPicPr>
             <p:blipFill>
-              <a:blip r:embed="rId4">
+              <a:blip r:embed="rId5">
                 <a:extLst>
                   <a:ext uri="{28A0092B-C50C-407E-A947-70E740481C1C}">
                     <a14:useLocalDpi xmlns:a14="http://schemas.microsoft.com/office/drawing/2010/main" val="0"/>
@@ -3174,7 +4968,7 @@
               <p:nvPr/>
             </p:nvPicPr>
             <p:blipFill rotWithShape="1">
-              <a:blip r:embed="rId5">
+              <a:blip r:embed="rId6">
                 <a:extLst>
                   <a:ext uri="{28A0092B-C50C-407E-A947-70E740481C1C}">
                     <a14:useLocalDpi xmlns:a14="http://schemas.microsoft.com/office/drawing/2010/main" val="0"/>
@@ -3231,9 +5025,25 @@
             </a:bodyPr>
             <a:lstStyle/>
             <a:p>
-              <a:pPr algn="ctr"/>
+              <a:pPr marL="0" marR="0" lvl="0" indent="0" algn="ctr" defTabSz="457200" rtl="0" eaLnBrk="1" fontAlgn="auto" latinLnBrk="0" hangingPunct="1">
+                <a:lnSpc>
+                  <a:spcPct val="100000"/>
+                </a:lnSpc>
+                <a:spcBef>
+                  <a:spcPts val="0"/>
+                </a:spcBef>
+                <a:spcAft>
+                  <a:spcPts val="0"/>
+                </a:spcAft>
+                <a:buClrTx/>
+                <a:buSzTx/>
+                <a:buFontTx/>
+                <a:buNone/>
+                <a:tabLst/>
+                <a:defRPr/>
+              </a:pPr>
               <a:r>
-                <a:rPr lang="en-US" altLang="zh-CN" sz="5998" dirty="0">
+                <a:rPr kumimoji="0" lang="en-US" altLang="zh-CN" sz="5998" b="0" i="0" u="none" strike="noStrike" kern="1200" cap="none" spc="0" normalizeH="0" baseline="0" noProof="0" dirty="0">
                   <a:ln w="0"/>
                   <a:solidFill>
                     <a:srgbClr val="6B4226"/>
@@ -3246,12 +5056,16 @@
                     </a:outerShdw>
                     <a:reflection blurRad="6350" stA="60000" endA="900" endPos="60000" dist="29997" dir="5400000" sy="-100000" algn="bl" rotWithShape="0"/>
                   </a:effectLst>
+                  <a:uLnTx/>
+                  <a:uFillTx/>
                   <a:latin typeface="Bahnschrift SemiBold Condensed" panose="020B0502040204020203" pitchFamily="34" charset="0"/>
+                  <a:ea typeface="等线" panose="02010600030101010101" pitchFamily="2" charset="-122"/>
+                  <a:cs typeface="+mn-cs"/>
                 </a:rPr>
                 <a:t>Boot</a:t>
               </a:r>
               <a:r>
-                <a:rPr lang="en-US" altLang="zh-CN" sz="5998" dirty="0">
+                <a:rPr kumimoji="0" lang="en-US" altLang="zh-CN" sz="5998" b="0" i="0" u="none" strike="noStrike" kern="1200" cap="none" spc="0" normalizeH="0" baseline="0" noProof="0" dirty="0">
                   <a:ln w="0"/>
                   <a:solidFill>
                     <a:srgbClr val="264C80"/>
@@ -3264,12 +5078,16 @@
                     </a:outerShdw>
                     <a:reflection blurRad="6350" stA="60000" endA="900" endPos="60000" dist="29997" dir="5400000" sy="-100000" algn="bl" rotWithShape="0"/>
                   </a:effectLst>
+                  <a:uLnTx/>
+                  <a:uFillTx/>
                   <a:latin typeface="Bahnschrift SemiBold Condensed" panose="020B0502040204020203" pitchFamily="34" charset="0"/>
+                  <a:ea typeface="等线" panose="02010600030101010101" pitchFamily="2" charset="-122"/>
+                  <a:cs typeface="+mn-cs"/>
                 </a:rPr>
                 <a:t>l</a:t>
               </a:r>
               <a:r>
-                <a:rPr lang="en-US" altLang="zh-CN" sz="5998" dirty="0">
+                <a:rPr kumimoji="0" lang="en-US" altLang="zh-CN" sz="5998" b="0" i="0" u="none" strike="noStrike" kern="1200" cap="none" spc="0" normalizeH="0" baseline="0" noProof="0" dirty="0">
                   <a:ln w="0"/>
                   <a:solidFill>
                     <a:srgbClr val="FF6E40"/>
@@ -3282,12 +5100,16 @@
                     </a:outerShdw>
                     <a:reflection blurRad="6350" stA="60000" endA="900" endPos="60000" dist="29997" dir="5400000" sy="-100000" algn="bl" rotWithShape="0"/>
                   </a:effectLst>
+                  <a:uLnTx/>
+                  <a:uFillTx/>
                   <a:latin typeface="Bahnschrift SemiBold Condensed" panose="020B0502040204020203" pitchFamily="34" charset="0"/>
+                  <a:ea typeface="等线" panose="02010600030101010101" pitchFamily="2" charset="-122"/>
+                  <a:cs typeface="+mn-cs"/>
                 </a:rPr>
                 <a:t>o</a:t>
               </a:r>
               <a:r>
-                <a:rPr lang="en-US" altLang="zh-CN" sz="5998" dirty="0">
+                <a:rPr kumimoji="0" lang="en-US" altLang="zh-CN" sz="5998" b="0" i="0" u="none" strike="noStrike" kern="1200" cap="none" spc="0" normalizeH="0" baseline="0" noProof="0" dirty="0">
                   <a:ln w="0"/>
                   <a:solidFill>
                     <a:srgbClr val="01AF9C"/>
@@ -3300,12 +5122,16 @@
                     </a:outerShdw>
                     <a:reflection blurRad="6350" stA="60000" endA="900" endPos="60000" dist="29997" dir="5400000" sy="-100000" algn="bl" rotWithShape="0"/>
                   </a:effectLst>
+                  <a:uLnTx/>
+                  <a:uFillTx/>
                   <a:latin typeface="Bahnschrift SemiBold Condensed" panose="020B0502040204020203" pitchFamily="34" charset="0"/>
+                  <a:ea typeface="等线" panose="02010600030101010101" pitchFamily="2" charset="-122"/>
+                  <a:cs typeface="+mn-cs"/>
                 </a:rPr>
                 <a:t>a</a:t>
               </a:r>
               <a:r>
-                <a:rPr lang="en-US" altLang="zh-CN" sz="5998" dirty="0">
+                <a:rPr kumimoji="0" lang="en-US" altLang="zh-CN" sz="5998" b="0" i="0" u="none" strike="noStrike" kern="1200" cap="none" spc="0" normalizeH="0" baseline="0" noProof="0" dirty="0">
                   <a:ln w="0"/>
                   <a:solidFill>
                     <a:srgbClr val="264C80"/>
@@ -3318,12 +5144,16 @@
                     </a:outerShdw>
                     <a:reflection blurRad="6350" stA="60000" endA="900" endPos="60000" dist="29997" dir="5400000" sy="-100000" algn="bl" rotWithShape="0"/>
                   </a:effectLst>
+                  <a:uLnTx/>
+                  <a:uFillTx/>
                   <a:latin typeface="Bahnschrift SemiBold Condensed" panose="020B0502040204020203" pitchFamily="34" charset="0"/>
+                  <a:ea typeface="等线" panose="02010600030101010101" pitchFamily="2" charset="-122"/>
+                  <a:cs typeface="+mn-cs"/>
                 </a:rPr>
                 <a:t>d</a:t>
               </a:r>
               <a:r>
-                <a:rPr lang="en-US" altLang="zh-CN" sz="5998" dirty="0">
+                <a:rPr kumimoji="0" lang="en-US" altLang="zh-CN" sz="5998" b="0" i="0" u="none" strike="noStrike" kern="1200" cap="none" spc="0" normalizeH="0" baseline="0" noProof="0" dirty="0">
                   <a:ln w="0"/>
                   <a:solidFill>
                     <a:srgbClr val="AD7B5A"/>
@@ -3336,58 +5166,80 @@
                     </a:outerShdw>
                     <a:reflection blurRad="6350" stA="60000" endA="900" endPos="60000" dist="29997" dir="5400000" sy="-100000" algn="bl" rotWithShape="0"/>
                   </a:effectLst>
+                  <a:uLnTx/>
+                  <a:uFillTx/>
                   <a:latin typeface="Bahnschrift SemiBold Condensed" panose="020B0502040204020203" pitchFamily="34" charset="0"/>
+                  <a:ea typeface="等线" panose="02010600030101010101" pitchFamily="2" charset="-122"/>
+                  <a:cs typeface="+mn-cs"/>
                 </a:rPr>
                 <a:t>er</a:t>
               </a:r>
               <a:r>
-                <a:rPr lang="en-US" altLang="zh-CN" sz="5998" dirty="0">
+                <a:rPr kumimoji="0" lang="en-US" altLang="zh-CN" sz="5998" b="0" i="0" u="none" strike="noStrike" kern="1200" cap="none" spc="0" normalizeH="0" baseline="0" noProof="0" dirty="0">
                   <a:ln w="0"/>
+                  <a:solidFill>
+                    <a:prstClr val="black"/>
+                  </a:solidFill>
                   <a:effectLst>
                     <a:outerShdw blurRad="38100" dist="19050" dir="2700000" algn="tl" rotWithShape="0">
-                      <a:schemeClr val="dk1">
+                      <a:prstClr val="black">
                         <a:alpha val="40000"/>
-                      </a:schemeClr>
+                      </a:prstClr>
                     </a:outerShdw>
                   </a:effectLst>
+                  <a:uLnTx/>
+                  <a:uFillTx/>
                   <a:latin typeface="Bahnschrift" panose="020B0502040204020203" pitchFamily="34" charset="0"/>
+                  <a:ea typeface="等线" panose="02010600030101010101" pitchFamily="2" charset="-122"/>
+                  <a:cs typeface="+mn-cs"/>
                 </a:rPr>
                 <a:t> </a:t>
               </a:r>
               <a:r>
-                <a:rPr lang="en-US" altLang="zh-CN" sz="5998" dirty="0">
+                <a:rPr kumimoji="0" lang="en-US" altLang="zh-CN" sz="5998" b="0" i="0" u="none" strike="noStrike" kern="1200" cap="none" spc="0" normalizeH="0" baseline="0" noProof="0" dirty="0">
                   <a:ln w="0"/>
                   <a:solidFill>
                     <a:srgbClr val="40A4EC"/>
                   </a:solidFill>
                   <a:effectLst>
                     <a:outerShdw blurRad="38100" dist="19050" dir="2700000" algn="tl" rotWithShape="0">
-                      <a:schemeClr val="dk1">
+                      <a:prstClr val="black">
                         <a:alpha val="40000"/>
-                      </a:schemeClr>
+                      </a:prstClr>
                     </a:outerShdw>
                     <a:reflection blurRad="6350" stA="55000" endA="50" endPos="85000" dir="5400000" sy="-100000" algn="bl" rotWithShape="0"/>
                   </a:effectLst>
+                  <a:uLnTx/>
+                  <a:uFillTx/>
                   <a:latin typeface="Freestyle Script" panose="030804020302050B0404" pitchFamily="66" charset="0"/>
+                  <a:ea typeface="等线" panose="02010600030101010101" pitchFamily="2" charset="-122"/>
+                  <a:cs typeface="+mn-cs"/>
                 </a:rPr>
                 <a:t>for</a:t>
               </a:r>
               <a:r>
-                <a:rPr lang="en-US" altLang="zh-CN" sz="5998" dirty="0">
+                <a:rPr kumimoji="0" lang="en-US" altLang="zh-CN" sz="5998" b="0" i="0" u="none" strike="noStrike" kern="1200" cap="none" spc="0" normalizeH="0" baseline="0" noProof="0" dirty="0">
                   <a:ln w="0"/>
+                  <a:solidFill>
+                    <a:prstClr val="black"/>
+                  </a:solidFill>
                   <a:effectLst>
                     <a:outerShdw blurRad="38100" dist="19050" dir="2700000" algn="tl" rotWithShape="0">
-                      <a:schemeClr val="dk1">
+                      <a:prstClr val="black">
                         <a:alpha val="40000"/>
-                      </a:schemeClr>
+                      </a:prstClr>
                     </a:outerShdw>
                   </a:effectLst>
+                  <a:uLnTx/>
+                  <a:uFillTx/>
                   <a:latin typeface="Bahnschrift" panose="020B0502040204020203" pitchFamily="34" charset="0"/>
+                  <a:ea typeface="等线" panose="02010600030101010101" pitchFamily="2" charset="-122"/>
+                  <a:cs typeface="+mn-cs"/>
                 </a:rPr>
                 <a:t> </a:t>
               </a:r>
               <a:r>
-                <a:rPr lang="en-US" altLang="zh-CN" sz="5998" dirty="0" err="1">
+                <a:rPr kumimoji="0" lang="en-US" altLang="zh-CN" sz="5998" b="0" i="0" u="none" strike="noStrike" kern="1200" cap="none" spc="0" normalizeH="0" baseline="0" noProof="0" dirty="0" err="1">
                   <a:ln w="0"/>
                   <a:solidFill>
                     <a:srgbClr val="264C80"/>
@@ -3397,6 +5249,8 @@
                       <a:srgbClr val="40A4EC"/>
                     </a:glow>
                   </a:effectLst>
+                  <a:uLnTx/>
+                  <a:uFillTx/>
                   <a:latin typeface="Nirmala UI Semilight" panose="020B0402040204020203" pitchFamily="34" charset="0"/>
                   <a:ea typeface="Nirmala UI Semilight" panose="020B0402040204020203" pitchFamily="34" charset="0"/>
                   <a:cs typeface="Nirmala UI Semilight" panose="020B0402040204020203" pitchFamily="34" charset="0"/>
@@ -3404,8 +5258,11 @@
                 <a:t>Bliss</a:t>
               </a:r>
               <a:r>
-                <a:rPr lang="en-US" altLang="zh-CN" sz="5998" dirty="0" err="1">
+                <a:rPr kumimoji="0" lang="en-US" altLang="zh-CN" sz="5998" b="0" i="0" u="none" strike="noStrike" kern="1200" cap="none" spc="0" normalizeH="0" baseline="0" noProof="0" dirty="0" err="1">
                   <a:ln w="0"/>
+                  <a:solidFill>
+                    <a:prstClr val="black"/>
+                  </a:solidFill>
                   <a:effectLst>
                     <a:outerShdw blurRad="50800" dist="88900" dir="2700000" algn="tl" rotWithShape="0">
                       <a:prstClr val="black">
@@ -3413,14 +5270,19 @@
                       </a:prstClr>
                     </a:outerShdw>
                   </a:effectLst>
+                  <a:uLnTx/>
+                  <a:uFillTx/>
                   <a:latin typeface="Nirmala UI Semilight" panose="020B0402040204020203" pitchFamily="34" charset="0"/>
                   <a:ea typeface="Nirmala UI Semilight" panose="020B0402040204020203" pitchFamily="34" charset="0"/>
                   <a:cs typeface="Nirmala UI Semilight" panose="020B0402040204020203" pitchFamily="34" charset="0"/>
                 </a:rPr>
                 <a:t>OS</a:t>
               </a:r>
-              <a:endParaRPr lang="zh-CN" altLang="en-US" sz="5998" dirty="0">
+              <a:endParaRPr kumimoji="0" lang="zh-CN" altLang="en-US" sz="5998" b="0" i="0" u="none" strike="noStrike" kern="1200" cap="none" spc="0" normalizeH="0" baseline="0" noProof="0" dirty="0">
                 <a:ln w="0"/>
+                <a:solidFill>
+                  <a:prstClr val="black"/>
+                </a:solidFill>
                 <a:effectLst>
                   <a:outerShdw blurRad="50800" dist="88900" dir="2700000" algn="tl" rotWithShape="0">
                     <a:prstClr val="black">
@@ -3428,51 +5290,177 @@
                     </a:prstClr>
                   </a:outerShdw>
                 </a:effectLst>
+                <a:uLnTx/>
+                <a:uFillTx/>
                 <a:latin typeface="Nirmala UI Semilight" panose="020B0402040204020203" pitchFamily="34" charset="0"/>
+                <a:ea typeface="等线" panose="02010600030101010101" pitchFamily="2" charset="-122"/>
                 <a:cs typeface="Nirmala UI Semilight" panose="020B0402040204020203" pitchFamily="34" charset="0"/>
               </a:endParaRPr>
             </a:p>
           </p:txBody>
         </p:sp>
-      </p:grpSp>
-      <p:sp>
-        <p:nvSpPr>
-          <p:cNvPr id="6" name="文本框 5">
-            <a:extLst>
-              <a:ext uri="{FF2B5EF4-FFF2-40B4-BE49-F238E27FC236}">
-                <a16:creationId xmlns:a16="http://schemas.microsoft.com/office/drawing/2014/main" id="{58A214E7-1ACA-C1E3-E755-675FA9DA1200}"/>
-              </a:ext>
-            </a:extLst>
-          </p:cNvPr>
-          <p:cNvSpPr txBox="1"/>
-          <p:nvPr/>
-        </p:nvSpPr>
-        <p:spPr>
-          <a:xfrm>
-            <a:off x="3585757" y="1727491"/>
-            <a:ext cx="2916183" cy="369332"/>
-          </a:xfrm>
-          <a:prstGeom prst="rect">
-            <a:avLst/>
-          </a:prstGeom>
-          <a:noFill/>
-          <a:effectLst>
-            <a:glow rad="139700">
-              <a:schemeClr val="accent1">
-                <a:satMod val="175000"/>
-                <a:alpha val="40000"/>
-              </a:schemeClr>
-            </a:glow>
-          </a:effectLst>
-        </p:spPr>
-        <p:txBody>
-          <a:bodyPr wrap="none" rtlCol="0">
-            <a:spAutoFit/>
-          </a:bodyPr>
-          <a:lstStyle/>
-          <a:p>
-            <a:r>
-              <a:rPr lang="en-US" altLang="zh-CN" dirty="0">
+        <p:sp>
+          <p:nvSpPr>
+            <p:cNvPr id="6" name="文本框 5">
+              <a:extLst>
+                <a:ext uri="{FF2B5EF4-FFF2-40B4-BE49-F238E27FC236}">
+                  <a16:creationId xmlns:a16="http://schemas.microsoft.com/office/drawing/2014/main" id="{58A214E7-1ACA-C1E3-E755-675FA9DA1200}"/>
+                </a:ext>
+              </a:extLst>
+            </p:cNvPr>
+            <p:cNvSpPr txBox="1"/>
+            <p:nvPr/>
+          </p:nvSpPr>
+          <p:spPr>
+            <a:xfrm>
+              <a:off x="3585757" y="1727491"/>
+              <a:ext cx="2916183" cy="369332"/>
+            </a:xfrm>
+            <a:prstGeom prst="rect">
+              <a:avLst/>
+            </a:prstGeom>
+            <a:noFill/>
+            <a:effectLst>
+              <a:glow rad="139700">
+                <a:schemeClr val="accent1">
+                  <a:satMod val="175000"/>
+                  <a:alpha val="40000"/>
+                </a:schemeClr>
+              </a:glow>
+            </a:effectLst>
+          </p:spPr>
+          <p:txBody>
+            <a:bodyPr wrap="none" rtlCol="0">
+              <a:spAutoFit/>
+            </a:bodyPr>
+            <a:lstStyle/>
+            <a:p>
+              <a:pPr marL="0" marR="0" lvl="0" indent="0" algn="l" defTabSz="457200" rtl="0" eaLnBrk="1" fontAlgn="auto" latinLnBrk="0" hangingPunct="1">
+                <a:lnSpc>
+                  <a:spcPct val="100000"/>
+                </a:lnSpc>
+                <a:spcBef>
+                  <a:spcPts val="0"/>
+                </a:spcBef>
+                <a:spcAft>
+                  <a:spcPts val="0"/>
+                </a:spcAft>
+                <a:buClrTx/>
+                <a:buSzTx/>
+                <a:buFontTx/>
+                <a:buNone/>
+                <a:tabLst/>
+                <a:defRPr/>
+              </a:pPr>
+              <a:r>
+                <a:rPr kumimoji="0" lang="en-US" altLang="zh-CN" sz="1800" b="0" i="0" u="none" strike="noStrike" kern="1200" cap="none" spc="0" normalizeH="0" baseline="0" noProof="0" dirty="0">
+                  <a:ln>
+                    <a:noFill/>
+                  </a:ln>
+                  <a:solidFill>
+                    <a:srgbClr val="7030A0"/>
+                  </a:solidFill>
+                  <a:effectLst>
+                    <a:glow rad="139700">
+                      <a:srgbClr val="B17ED8"/>
+                    </a:glow>
+                  </a:effectLst>
+                  <a:uLnTx/>
+                  <a:uFillTx/>
+                  <a:latin typeface="Monotype Corsiva" panose="03010101010201010101" pitchFamily="66" charset="0"/>
+                  <a:ea typeface="等线" panose="02010600030101010101" pitchFamily="2" charset="-122"/>
+                  <a:cs typeface="+mn-cs"/>
+                </a:rPr>
+                <a:t>Wish you</a:t>
+              </a:r>
+              <a:r>
+                <a:rPr kumimoji="0" lang="zh-CN" altLang="en-US" sz="1800" b="0" i="0" u="none" strike="noStrike" kern="1200" cap="none" spc="0" normalizeH="0" baseline="0" noProof="0" dirty="0">
+                  <a:ln>
+                    <a:noFill/>
+                  </a:ln>
+                  <a:solidFill>
+                    <a:srgbClr val="7030A0"/>
+                  </a:solidFill>
+                  <a:effectLst>
+                    <a:glow rad="139700">
+                      <a:srgbClr val="B17ED8"/>
+                    </a:glow>
+                  </a:effectLst>
+                  <a:uLnTx/>
+                  <a:uFillTx/>
+                  <a:latin typeface="Monotype Corsiva" panose="03010101010201010101" pitchFamily="66" charset="0"/>
+                  <a:ea typeface="等线" panose="02010600030101010101" pitchFamily="2" charset="-122"/>
+                  <a:cs typeface="+mn-cs"/>
+                </a:rPr>
+                <a:t> </a:t>
+              </a:r>
+              <a:r>
+                <a:rPr kumimoji="0" lang="en-US" altLang="zh-CN" sz="1800" b="0" i="0" u="none" strike="noStrike" kern="1200" cap="none" spc="0" normalizeH="0" baseline="0" noProof="0" dirty="0">
+                  <a:ln>
+                    <a:noFill/>
+                  </a:ln>
+                  <a:solidFill>
+                    <a:srgbClr val="7030A0"/>
+                  </a:solidFill>
+                  <a:effectLst>
+                    <a:glow rad="139700">
+                      <a:srgbClr val="B17ED8"/>
+                    </a:glow>
+                  </a:effectLst>
+                  <a:uLnTx/>
+                  <a:uFillTx/>
+                  <a:latin typeface="Monotype Corsiva" panose="03010101010201010101" pitchFamily="66" charset="0"/>
+                  <a:ea typeface="等线" panose="02010600030101010101" pitchFamily="2" charset="-122"/>
+                  <a:cs typeface="+mn-cs"/>
+                </a:rPr>
+                <a:t>all more and more</a:t>
+              </a:r>
+              <a:r>
+                <a:rPr kumimoji="0" lang="zh-CN" altLang="en-US" sz="1800" b="0" i="0" u="none" strike="noStrike" kern="1200" cap="none" spc="0" normalizeH="0" baseline="0" noProof="0" dirty="0">
+                  <a:ln>
+                    <a:noFill/>
+                  </a:ln>
+                  <a:solidFill>
+                    <a:srgbClr val="7030A0"/>
+                  </a:solidFill>
+                  <a:effectLst>
+                    <a:glow rad="139700">
+                      <a:srgbClr val="B17ED8"/>
+                    </a:glow>
+                  </a:effectLst>
+                  <a:uLnTx/>
+                  <a:uFillTx/>
+                  <a:latin typeface="Monotype Corsiva" panose="03010101010201010101" pitchFamily="66" charset="0"/>
+                  <a:ea typeface="等线" panose="02010600030101010101" pitchFamily="2" charset="-122"/>
+                  <a:cs typeface="+mn-cs"/>
+                </a:rPr>
+                <a:t> </a:t>
+              </a:r>
+              <a:r>
+                <a:rPr kumimoji="0" lang="en-US" altLang="zh-CN" sz="1800" b="0" i="0" u="none" strike="noStrike" kern="1200" cap="none" spc="0" normalizeH="0" baseline="0" noProof="0" dirty="0">
+                  <a:ln>
+                    <a:noFill/>
+                  </a:ln>
+                  <a:solidFill>
+                    <a:srgbClr val="7030A0"/>
+                  </a:solidFill>
+                  <a:effectLst>
+                    <a:glow rad="139700">
+                      <a:srgbClr val="B17ED8"/>
+                    </a:glow>
+                  </a:effectLst>
+                  <a:uLnTx/>
+                  <a:uFillTx/>
+                  <a:latin typeface="Monotype Corsiva" panose="03010101010201010101" pitchFamily="66" charset="0"/>
+                  <a:ea typeface="等线" panose="02010600030101010101" pitchFamily="2" charset="-122"/>
+                  <a:cs typeface="+mn-cs"/>
+                </a:rPr>
+                <a:t>bliss!</a:t>
+              </a:r>
+              <a:endParaRPr kumimoji="0" lang="zh-CN" altLang="en-US" sz="1800" b="0" i="0" u="none" strike="noStrike" kern="1200" cap="none" spc="0" normalizeH="0" baseline="0" noProof="0" dirty="0">
+                <a:ln>
+                  <a:noFill/>
+                </a:ln>
                 <a:solidFill>
                   <a:srgbClr val="7030A0"/>
                 </a:solidFill>
@@ -3481,552 +5469,20 @@
                     <a:srgbClr val="B17ED8"/>
                   </a:glow>
                 </a:effectLst>
+                <a:uLnTx/>
+                <a:uFillTx/>
                 <a:latin typeface="Monotype Corsiva" panose="03010101010201010101" pitchFamily="66" charset="0"/>
-              </a:rPr>
-              <a:t>Wish you</a:t>
-            </a:r>
-            <a:r>
-              <a:rPr lang="zh-CN" altLang="en-US" dirty="0">
-                <a:solidFill>
-                  <a:srgbClr val="7030A0"/>
-                </a:solidFill>
-                <a:effectLst>
-                  <a:glow rad="139700">
-                    <a:srgbClr val="B17ED8"/>
-                  </a:glow>
-                </a:effectLst>
-                <a:latin typeface="Monotype Corsiva" panose="03010101010201010101" pitchFamily="66" charset="0"/>
-              </a:rPr>
-              <a:t> </a:t>
-            </a:r>
-            <a:r>
-              <a:rPr lang="en-US" altLang="zh-CN" dirty="0">
-                <a:solidFill>
-                  <a:srgbClr val="7030A0"/>
-                </a:solidFill>
-                <a:effectLst>
-                  <a:glow rad="139700">
-                    <a:srgbClr val="B17ED8"/>
-                  </a:glow>
-                </a:effectLst>
-                <a:latin typeface="Monotype Corsiva" panose="03010101010201010101" pitchFamily="66" charset="0"/>
-              </a:rPr>
-              <a:t>all more and more</a:t>
-            </a:r>
-            <a:r>
-              <a:rPr lang="zh-CN" altLang="en-US" dirty="0">
-                <a:solidFill>
-                  <a:srgbClr val="7030A0"/>
-                </a:solidFill>
-                <a:effectLst>
-                  <a:glow rad="139700">
-                    <a:srgbClr val="B17ED8"/>
-                  </a:glow>
-                </a:effectLst>
-                <a:latin typeface="Monotype Corsiva" panose="03010101010201010101" pitchFamily="66" charset="0"/>
-              </a:rPr>
-              <a:t> </a:t>
-            </a:r>
-            <a:r>
-              <a:rPr lang="en-US" altLang="zh-CN" dirty="0">
-                <a:solidFill>
-                  <a:srgbClr val="7030A0"/>
-                </a:solidFill>
-                <a:effectLst>
-                  <a:glow rad="139700">
-                    <a:srgbClr val="B17ED8"/>
-                  </a:glow>
-                </a:effectLst>
-                <a:latin typeface="Monotype Corsiva" panose="03010101010201010101" pitchFamily="66" charset="0"/>
-              </a:rPr>
-              <a:t>bliss!</a:t>
-            </a:r>
-            <a:endParaRPr lang="zh-CN" altLang="en-US" dirty="0">
-              <a:solidFill>
-                <a:srgbClr val="7030A0"/>
-              </a:solidFill>
-              <a:effectLst>
-                <a:glow rad="139700">
-                  <a:srgbClr val="B17ED8"/>
-                </a:glow>
-              </a:effectLst>
-              <a:latin typeface="Monotype Corsiva" panose="03010101010201010101" pitchFamily="66" charset="0"/>
-            </a:endParaRPr>
-          </a:p>
-        </p:txBody>
-      </p:sp>
-      <p:sp>
-        <p:nvSpPr>
-          <p:cNvPr id="8" name="文本框 7">
-            <a:extLst>
-              <a:ext uri="{FF2B5EF4-FFF2-40B4-BE49-F238E27FC236}">
-                <a16:creationId xmlns:a16="http://schemas.microsoft.com/office/drawing/2014/main" id="{81C7B1EF-51FC-1ECE-787E-21290ECB18A8}"/>
-              </a:ext>
-            </a:extLst>
-          </p:cNvPr>
-          <p:cNvSpPr txBox="1"/>
-          <p:nvPr/>
-        </p:nvSpPr>
-        <p:spPr>
-          <a:xfrm>
-            <a:off x="-42135" y="-26334"/>
-            <a:ext cx="1355692" cy="276999"/>
-          </a:xfrm>
-          <a:prstGeom prst="rect">
-            <a:avLst/>
-          </a:prstGeom>
-          <a:noFill/>
-        </p:spPr>
-        <p:txBody>
-          <a:bodyPr wrap="none" rtlCol="0">
-            <a:spAutoFit/>
-          </a:bodyPr>
-          <a:lstStyle/>
-          <a:p>
-            <a:r>
-              <a:rPr lang="en-US" altLang="zh-CN" sz="1200" dirty="0"/>
-              <a:t>Designed by</a:t>
-            </a:r>
-            <a:r>
-              <a:rPr lang="zh-CN" altLang="en-US" sz="1200" dirty="0"/>
-              <a:t> </a:t>
-            </a:r>
-            <a:r>
-              <a:rPr lang="en-US" altLang="zh-CN" sz="1200" i="1" dirty="0">
-                <a:latin typeface="French Script MT" panose="03020402040607040605" pitchFamily="66" charset="0"/>
-              </a:rPr>
-              <a:t>Chauncy</a:t>
-            </a:r>
-          </a:p>
-        </p:txBody>
-      </p:sp>
-      <p:grpSp>
-        <p:nvGrpSpPr>
-          <p:cNvPr id="13" name="组合 12">
-            <a:extLst>
-              <a:ext uri="{FF2B5EF4-FFF2-40B4-BE49-F238E27FC236}">
-                <a16:creationId xmlns:a16="http://schemas.microsoft.com/office/drawing/2014/main" id="{AD540A3C-D70C-35CB-FAF0-63068B833B0E}"/>
-              </a:ext>
-            </a:extLst>
-          </p:cNvPr>
-          <p:cNvGrpSpPr/>
-          <p:nvPr/>
-        </p:nvGrpSpPr>
-        <p:grpSpPr>
-          <a:xfrm>
-            <a:off x="5206902" y="-37217"/>
-            <a:ext cx="3165853" cy="277000"/>
-            <a:chOff x="-61106" y="2172113"/>
-            <a:chExt cx="3165853" cy="277000"/>
-          </a:xfrm>
-        </p:grpSpPr>
-        <p:sp>
-          <p:nvSpPr>
-            <p:cNvPr id="12" name="文本框 11">
-              <a:extLst>
-                <a:ext uri="{FF2B5EF4-FFF2-40B4-BE49-F238E27FC236}">
-                  <a16:creationId xmlns:a16="http://schemas.microsoft.com/office/drawing/2014/main" id="{E7A6093A-0B33-CA73-BC8B-61258F502B7C}"/>
-                </a:ext>
-              </a:extLst>
-            </p:cNvPr>
-            <p:cNvSpPr txBox="1"/>
-            <p:nvPr/>
-          </p:nvSpPr>
-          <p:spPr>
-            <a:xfrm>
-              <a:off x="2104665" y="2172113"/>
-              <a:ext cx="1000082" cy="276999"/>
-            </a:xfrm>
-            <a:prstGeom prst="rect">
-              <a:avLst/>
-            </a:prstGeom>
-            <a:solidFill>
-              <a:srgbClr val="01AF9D"/>
-            </a:solidFill>
-            <a:ln w="76200">
-              <a:solidFill>
-                <a:srgbClr val="E6EDDC"/>
-              </a:solidFill>
-            </a:ln>
-          </p:spPr>
-          <p:txBody>
-            <a:bodyPr wrap="square" rtlCol="0">
-              <a:spAutoFit/>
-            </a:bodyPr>
-            <a:lstStyle/>
-            <a:p>
-              <a:r>
-                <a:rPr lang="en-US" altLang="zh-CN" sz="1200" dirty="0" err="1">
-                  <a:solidFill>
-                    <a:schemeClr val="bg1"/>
-                  </a:solidFill>
-                </a:rPr>
-                <a:t>i</a:t>
-              </a:r>
-              <a:r>
-                <a:rPr lang="en-US" altLang="zh-CN" sz="1200" dirty="0" err="1"/>
-                <a:t>n</a:t>
-              </a:r>
-              <a:r>
-                <a:rPr lang="en-US" altLang="zh-CN" sz="1200" dirty="0" err="1">
-                  <a:solidFill>
-                    <a:schemeClr val="bg1"/>
-                  </a:solidFill>
-                </a:rPr>
-                <a:t>i</a:t>
-              </a:r>
-              <a:r>
-                <a:rPr lang="en-US" altLang="zh-CN" sz="1200" dirty="0" err="1">
-                  <a:solidFill>
-                    <a:srgbClr val="3847A9"/>
-                  </a:solidFill>
-                </a:rPr>
-                <a:t>t</a:t>
-              </a:r>
-              <a:r>
-                <a:rPr lang="en-US" altLang="zh-CN" sz="1200" dirty="0" err="1">
-                  <a:solidFill>
-                    <a:srgbClr val="FCBCC9"/>
-                  </a:solidFill>
-                </a:rPr>
-                <a:t>r</a:t>
-              </a:r>
-              <a:r>
-                <a:rPr lang="en-US" altLang="zh-CN" sz="1200" dirty="0" err="1">
-                  <a:solidFill>
-                    <a:srgbClr val="3847A9"/>
-                  </a:solidFill>
-                </a:rPr>
-                <a:t>d</a:t>
-              </a:r>
-              <a:r>
-                <a:rPr lang="en-US" altLang="zh-CN" sz="1200" dirty="0" err="1">
-                  <a:solidFill>
-                    <a:srgbClr val="FBBCC9"/>
-                  </a:solidFill>
-                </a:rPr>
-                <a:t>-</a:t>
-              </a:r>
-              <a:r>
-                <a:rPr lang="en-US" altLang="zh-CN" sz="1200" dirty="0" err="1">
-                  <a:solidFill>
-                    <a:srgbClr val="FF6C3D"/>
-                  </a:solidFill>
-                </a:rPr>
-                <a:t>m</a:t>
-              </a:r>
-              <a:r>
-                <a:rPr lang="en-US" altLang="zh-CN" sz="1200" dirty="0" err="1">
-                  <a:solidFill>
-                    <a:schemeClr val="bg1"/>
-                  </a:solidFill>
-                </a:rPr>
-                <a:t>a</a:t>
-              </a:r>
-              <a:r>
-                <a:rPr lang="en-US" altLang="zh-CN" sz="1200" dirty="0" err="1">
-                  <a:solidFill>
-                    <a:srgbClr val="FFB322"/>
-                  </a:solidFill>
-                </a:rPr>
-                <a:t>g</a:t>
-              </a:r>
-              <a:r>
-                <a:rPr lang="en-US" altLang="zh-CN" sz="1200" dirty="0" err="1">
-                  <a:solidFill>
-                    <a:srgbClr val="FF6E40"/>
-                  </a:solidFill>
-                </a:rPr>
-                <a:t>i</a:t>
-              </a:r>
-              <a:r>
-                <a:rPr lang="en-US" altLang="zh-CN" sz="1200" dirty="0" err="1">
-                  <a:solidFill>
-                    <a:schemeClr val="bg1"/>
-                  </a:solidFill>
-                </a:rPr>
-                <a:t>s</a:t>
-              </a:r>
-              <a:r>
-                <a:rPr lang="en-US" altLang="zh-CN" sz="1200" dirty="0" err="1">
-                  <a:solidFill>
-                    <a:srgbClr val="FFB327"/>
-                  </a:solidFill>
-                </a:rPr>
-                <a:t>k</a:t>
-              </a:r>
-              <a:endParaRPr lang="zh-CN" altLang="en-US" sz="1200" dirty="0">
-                <a:solidFill>
-                  <a:srgbClr val="FFB327"/>
-                </a:solidFill>
+                <a:ea typeface="等线" panose="02010600030101010101" pitchFamily="2" charset="-122"/>
+                <a:cs typeface="+mn-cs"/>
               </a:endParaRPr>
             </a:p>
           </p:txBody>
         </p:sp>
-        <p:sp>
-          <p:nvSpPr>
-            <p:cNvPr id="10" name="文本框 9">
-              <a:extLst>
-                <a:ext uri="{FF2B5EF4-FFF2-40B4-BE49-F238E27FC236}">
-                  <a16:creationId xmlns:a16="http://schemas.microsoft.com/office/drawing/2014/main" id="{757EF531-D73F-E55F-818E-BF4F53AFB01C}"/>
-                </a:ext>
-              </a:extLst>
-            </p:cNvPr>
-            <p:cNvSpPr txBox="1"/>
-            <p:nvPr/>
-          </p:nvSpPr>
-          <p:spPr>
-            <a:xfrm>
-              <a:off x="-61106" y="2172114"/>
-              <a:ext cx="2305439" cy="276999"/>
-            </a:xfrm>
-            <a:prstGeom prst="rect">
-              <a:avLst/>
-            </a:prstGeom>
-            <a:noFill/>
-          </p:spPr>
-          <p:txBody>
-            <a:bodyPr wrap="none" rtlCol="0">
-              <a:spAutoFit/>
-            </a:bodyPr>
-            <a:lstStyle/>
-            <a:p>
-              <a:r>
-                <a:rPr lang="en-US" altLang="zh-CN" sz="1200" dirty="0"/>
-                <a:t>Thank </a:t>
-              </a:r>
-              <a:r>
-                <a:rPr lang="en-US" altLang="zh-CN" sz="1200" i="1" dirty="0" err="1">
-                  <a:latin typeface="Segoe Script" panose="030B0504020000000003" pitchFamily="66" charset="0"/>
-                  <a:cs typeface="MV Boli" panose="02000500030200090000" pitchFamily="2" charset="0"/>
-                </a:rPr>
-                <a:t>Shìwēi</a:t>
-              </a:r>
-              <a:r>
-                <a:rPr lang="en-US" altLang="zh-CN" sz="1200" i="1" dirty="0">
-                  <a:latin typeface="Segoe Script" panose="030B0504020000000003" pitchFamily="66" charset="0"/>
-                  <a:cs typeface="MV Boli" panose="02000500030200090000" pitchFamily="2" charset="0"/>
-                </a:rPr>
-                <a:t> Nguyen </a:t>
-              </a:r>
-              <a:r>
-                <a:rPr lang="en-US" altLang="zh-CN" sz="1200" dirty="0"/>
-                <a:t>for his</a:t>
-              </a:r>
-              <a:endParaRPr lang="zh-CN" altLang="en-US" sz="1200" dirty="0"/>
-            </a:p>
-          </p:txBody>
-        </p:sp>
-      </p:grpSp>
-      <p:pic>
-        <p:nvPicPr>
-          <p:cNvPr id="15" name="图片 14">
-            <a:extLst>
-              <a:ext uri="{FF2B5EF4-FFF2-40B4-BE49-F238E27FC236}">
-                <a16:creationId xmlns:a16="http://schemas.microsoft.com/office/drawing/2014/main" id="{311189AD-8F71-0888-7887-42ADEBC6DEFC}"/>
-              </a:ext>
-            </a:extLst>
-          </p:cNvPr>
-          <p:cNvPicPr>
-            <a:picLocks noChangeAspect="1"/>
-          </p:cNvPicPr>
-          <p:nvPr/>
-        </p:nvPicPr>
-        <p:blipFill>
-          <a:blip r:embed="rId6">
-            <a:extLst>
-              <a:ext uri="{28A0092B-C50C-407E-A947-70E740481C1C}">
-                <a14:useLocalDpi xmlns:a14="http://schemas.microsoft.com/office/drawing/2010/main" val="0"/>
-              </a:ext>
-            </a:extLst>
-          </a:blip>
-          <a:stretch>
-            <a:fillRect/>
-          </a:stretch>
-        </p:blipFill>
-        <p:spPr>
-          <a:xfrm>
-            <a:off x="8301037" y="0"/>
-            <a:ext cx="1452563" cy="350264"/>
-          </a:xfrm>
-          <a:prstGeom prst="rect">
-            <a:avLst/>
-          </a:prstGeom>
-        </p:spPr>
-      </p:pic>
-      <p:sp>
-        <p:nvSpPr>
-          <p:cNvPr id="16" name="文本框 15">
-            <a:extLst>
-              <a:ext uri="{FF2B5EF4-FFF2-40B4-BE49-F238E27FC236}">
-                <a16:creationId xmlns:a16="http://schemas.microsoft.com/office/drawing/2014/main" id="{1C01363C-0D41-ACA9-BBF5-D87EEFB6150E}"/>
-              </a:ext>
-            </a:extLst>
-          </p:cNvPr>
-          <p:cNvSpPr txBox="1"/>
-          <p:nvPr/>
-        </p:nvSpPr>
-        <p:spPr>
-          <a:xfrm>
-            <a:off x="5538890" y="2187709"/>
-            <a:ext cx="3220753" cy="276999"/>
-          </a:xfrm>
-          <a:prstGeom prst="rect">
-            <a:avLst/>
-          </a:prstGeom>
-          <a:noFill/>
-        </p:spPr>
-        <p:txBody>
-          <a:bodyPr wrap="none" rtlCol="0">
-            <a:spAutoFit/>
-          </a:bodyPr>
-          <a:lstStyle/>
-          <a:p>
-            <a:r>
-              <a:rPr lang="en-US" altLang="zh-CN" sz="1200" dirty="0"/>
-              <a:t>Thank </a:t>
-            </a:r>
-            <a:r>
-              <a:rPr lang="en-US" altLang="zh-CN" sz="1200" i="1" dirty="0" err="1">
-                <a:latin typeface="Segoe Script" panose="030B0504020000000003" pitchFamily="66" charset="0"/>
-              </a:rPr>
-              <a:t>Huy</a:t>
-            </a:r>
-            <a:r>
-              <a:rPr lang="en-US" altLang="zh-CN" sz="1200" i="1" dirty="0">
-                <a:latin typeface="Segoe Script" panose="030B0504020000000003" pitchFamily="66" charset="0"/>
-              </a:rPr>
-              <a:t> Minh </a:t>
-            </a:r>
-            <a:r>
-              <a:rPr lang="en-US" altLang="zh-CN" sz="1200" i="1" dirty="0" err="1">
-                <a:latin typeface="Segoe Script" panose="030B0504020000000003" pitchFamily="66" charset="0"/>
-              </a:rPr>
-              <a:t>Bùi</a:t>
-            </a:r>
-            <a:r>
-              <a:rPr lang="en-US" altLang="zh-CN" sz="1200" i="1" dirty="0">
-                <a:latin typeface="Segoe Script" panose="030B0504020000000003" pitchFamily="66" charset="0"/>
-              </a:rPr>
-              <a:t> </a:t>
-            </a:r>
-            <a:r>
-              <a:rPr lang="en-US" altLang="zh-CN" sz="1200" dirty="0"/>
-              <a:t>and </a:t>
-            </a:r>
-            <a:r>
-              <a:rPr lang="en-US" altLang="zh-CN" sz="1200" i="1" dirty="0">
-                <a:latin typeface="Segoe Script" panose="030B0504020000000003" pitchFamily="66" charset="0"/>
-              </a:rPr>
-              <a:t>K</a:t>
-            </a:r>
-            <a:r>
-              <a:rPr lang="en-US" altLang="zh-CN" sz="1200" dirty="0"/>
-              <a:t> for their help </a:t>
-            </a:r>
-            <a:endParaRPr lang="zh-CN" altLang="en-US" sz="1200" dirty="0">
-              <a:latin typeface="Segoe Script" panose="030B0504020000000003" pitchFamily="66" charset="0"/>
-            </a:endParaRPr>
-          </a:p>
-        </p:txBody>
-      </p:sp>
-      <p:grpSp>
-        <p:nvGrpSpPr>
-          <p:cNvPr id="21" name="组合 20">
-            <a:extLst>
-              <a:ext uri="{FF2B5EF4-FFF2-40B4-BE49-F238E27FC236}">
-                <a16:creationId xmlns:a16="http://schemas.microsoft.com/office/drawing/2014/main" id="{BB13730E-0F2E-A26F-543C-06703A27E2F7}"/>
-              </a:ext>
-            </a:extLst>
-          </p:cNvPr>
-          <p:cNvGrpSpPr/>
-          <p:nvPr/>
-        </p:nvGrpSpPr>
-        <p:grpSpPr>
-          <a:xfrm>
-            <a:off x="8576903" y="1803145"/>
-            <a:ext cx="1176697" cy="634016"/>
-            <a:chOff x="8576903" y="0"/>
-            <a:chExt cx="1176697" cy="634016"/>
-          </a:xfrm>
-        </p:grpSpPr>
-        <p:pic>
-          <p:nvPicPr>
-            <p:cNvPr id="18" name="图片 17">
-              <a:extLst>
-                <a:ext uri="{FF2B5EF4-FFF2-40B4-BE49-F238E27FC236}">
-                  <a16:creationId xmlns:a16="http://schemas.microsoft.com/office/drawing/2014/main" id="{3694B972-B653-8A8C-6608-DA2334941012}"/>
-                </a:ext>
-              </a:extLst>
-            </p:cNvPr>
-            <p:cNvPicPr>
-              <a:picLocks noChangeAspect="1"/>
-            </p:cNvPicPr>
-            <p:nvPr/>
-          </p:nvPicPr>
-          <p:blipFill>
-            <a:blip r:embed="rId7">
-              <a:extLst>
-                <a:ext uri="{28A0092B-C50C-407E-A947-70E740481C1C}">
-                  <a14:useLocalDpi xmlns:a14="http://schemas.microsoft.com/office/drawing/2010/main" val="0"/>
-                </a:ext>
-              </a:extLst>
-            </a:blip>
-            <a:stretch>
-              <a:fillRect/>
-            </a:stretch>
-          </p:blipFill>
-          <p:spPr>
-            <a:xfrm>
-              <a:off x="8576903" y="0"/>
-              <a:ext cx="1176697" cy="310315"/>
-            </a:xfrm>
-            <a:prstGeom prst="rect">
-              <a:avLst/>
-            </a:prstGeom>
-          </p:spPr>
-        </p:pic>
-        <p:pic>
-          <p:nvPicPr>
-            <p:cNvPr id="20" name="图片 19">
-              <a:extLst>
-                <a:ext uri="{FF2B5EF4-FFF2-40B4-BE49-F238E27FC236}">
-                  <a16:creationId xmlns:a16="http://schemas.microsoft.com/office/drawing/2014/main" id="{B87B3ED2-E591-900C-3479-4B0D4A623856}"/>
-                </a:ext>
-              </a:extLst>
-            </p:cNvPr>
-            <p:cNvPicPr>
-              <a:picLocks noChangeAspect="1"/>
-            </p:cNvPicPr>
-            <p:nvPr/>
-          </p:nvPicPr>
-          <p:blipFill>
-            <a:blip r:embed="rId8">
-              <a:extLst>
-                <a:ext uri="{28A0092B-C50C-407E-A947-70E740481C1C}">
-                  <a14:useLocalDpi xmlns:a14="http://schemas.microsoft.com/office/drawing/2010/main" val="0"/>
-                </a:ext>
-              </a:extLst>
-            </a:blip>
-            <a:stretch>
-              <a:fillRect/>
-            </a:stretch>
-          </p:blipFill>
-          <p:spPr>
-            <a:xfrm>
-              <a:off x="8576903" y="310315"/>
-              <a:ext cx="1176697" cy="323701"/>
-            </a:xfrm>
-            <a:prstGeom prst="rect">
-              <a:avLst/>
-            </a:prstGeom>
-          </p:spPr>
-        </p:pic>
       </p:grpSp>
     </p:spTree>
     <p:extLst>
       <p:ext uri="{BB962C8B-B14F-4D97-AF65-F5344CB8AC3E}">
-        <p14:creationId xmlns:p14="http://schemas.microsoft.com/office/powerpoint/2010/main" val="550559916"/>
+        <p14:creationId xmlns:p14="http://schemas.microsoft.com/office/powerpoint/2010/main" val="321962523"/>
       </p:ext>
     </p:extLst>
   </p:cSld>
@@ -4295,4 +5751,299 @@
     </a:ext>
   </a:extLst>
 </a:theme>
+</file>
+
+<file path=ppt/theme/theme2.xml><?xml version="1.0" encoding="utf-8"?>
+<a:theme xmlns:a="http://schemas.openxmlformats.org/drawingml/2006/main" name="Office 主题​​">
+  <a:themeElements>
+    <a:clrScheme name="Office">
+      <a:dk1>
+        <a:sysClr val="windowText" lastClr="000000"/>
+      </a:dk1>
+      <a:lt1>
+        <a:sysClr val="window" lastClr="FFFFFF"/>
+      </a:lt1>
+      <a:dk2>
+        <a:srgbClr val="44546A"/>
+      </a:dk2>
+      <a:lt2>
+        <a:srgbClr val="E7E6E6"/>
+      </a:lt2>
+      <a:accent1>
+        <a:srgbClr val="4472C4"/>
+      </a:accent1>
+      <a:accent2>
+        <a:srgbClr val="ED7D31"/>
+      </a:accent2>
+      <a:accent3>
+        <a:srgbClr val="A5A5A5"/>
+      </a:accent3>
+      <a:accent4>
+        <a:srgbClr val="FFC000"/>
+      </a:accent4>
+      <a:accent5>
+        <a:srgbClr val="5B9BD5"/>
+      </a:accent5>
+      <a:accent6>
+        <a:srgbClr val="70AD47"/>
+      </a:accent6>
+      <a:hlink>
+        <a:srgbClr val="0563C1"/>
+      </a:hlink>
+      <a:folHlink>
+        <a:srgbClr val="954F72"/>
+      </a:folHlink>
+    </a:clrScheme>
+    <a:fontScheme name="Office">
+      <a:majorFont>
+        <a:latin typeface="等线 Light" panose="020F0302020204030204"/>
+        <a:ea typeface=""/>
+        <a:cs typeface=""/>
+        <a:font script="Jpan" typeface="游ゴシック Light"/>
+        <a:font script="Hang" typeface="맑은 고딕"/>
+        <a:font script="Hans" typeface="等线 Light"/>
+        <a:font script="Hant" typeface="新細明體"/>
+        <a:font script="Arab" typeface="Times New Roman"/>
+        <a:font script="Hebr" typeface="Times New Roman"/>
+        <a:font script="Thai" typeface="Angsana New"/>
+        <a:font script="Ethi" typeface="Nyala"/>
+        <a:font script="Beng" typeface="Vrinda"/>
+        <a:font script="Gujr" typeface="Shruti"/>
+        <a:font script="Khmr" typeface="MoolBoran"/>
+        <a:font script="Knda" typeface="Tunga"/>
+        <a:font script="Guru" typeface="Raavi"/>
+        <a:font script="Cans" typeface="Euphemia"/>
+        <a:font script="Cher" typeface="Plantagenet Cherokee"/>
+        <a:font script="Yiii" typeface="Microsoft Yi Baiti"/>
+        <a:font script="Tibt" typeface="Microsoft Himalaya"/>
+        <a:font script="Thaa" typeface="MV Boli"/>
+        <a:font script="Deva" typeface="Mangal"/>
+        <a:font script="Telu" typeface="Gautami"/>
+        <a:font script="Taml" typeface="Latha"/>
+        <a:font script="Syrc" typeface="Estrangelo Edessa"/>
+        <a:font script="Orya" typeface="Kalinga"/>
+        <a:font script="Mlym" typeface="Kartika"/>
+        <a:font script="Laoo" typeface="DokChampa"/>
+        <a:font script="Sinh" typeface="Iskoola Pota"/>
+        <a:font script="Mong" typeface="Mongolian Baiti"/>
+        <a:font script="Viet" typeface="Times New Roman"/>
+        <a:font script="Uigh" typeface="Microsoft Uighur"/>
+        <a:font script="Geor" typeface="Sylfaen"/>
+        <a:font script="Armn" typeface="Arial"/>
+        <a:font script="Bugi" typeface="Leelawadee UI"/>
+        <a:font script="Bopo" typeface="Microsoft JhengHei"/>
+        <a:font script="Java" typeface="Javanese Text"/>
+        <a:font script="Lisu" typeface="Segoe UI"/>
+        <a:font script="Mymr" typeface="Myanmar Text"/>
+        <a:font script="Nkoo" typeface="Ebrima"/>
+        <a:font script="Olck" typeface="Nirmala UI"/>
+        <a:font script="Osma" typeface="Ebrima"/>
+        <a:font script="Phag" typeface="Phagspa"/>
+        <a:font script="Syrn" typeface="Estrangelo Edessa"/>
+        <a:font script="Syrj" typeface="Estrangelo Edessa"/>
+        <a:font script="Syre" typeface="Estrangelo Edessa"/>
+        <a:font script="Sora" typeface="Nirmala UI"/>
+        <a:font script="Tale" typeface="Microsoft Tai Le"/>
+        <a:font script="Talu" typeface="Microsoft New Tai Lue"/>
+        <a:font script="Tfng" typeface="Ebrima"/>
+      </a:majorFont>
+      <a:minorFont>
+        <a:latin typeface="等线" panose="020F0502020204030204"/>
+        <a:ea typeface=""/>
+        <a:cs typeface=""/>
+        <a:font script="Jpan" typeface="游ゴシック"/>
+        <a:font script="Hang" typeface="맑은 고딕"/>
+        <a:font script="Hans" typeface="等线"/>
+        <a:font script="Hant" typeface="新細明體"/>
+        <a:font script="Arab" typeface="Arial"/>
+        <a:font script="Hebr" typeface="Arial"/>
+        <a:font script="Thai" typeface="Cordia New"/>
+        <a:font script="Ethi" typeface="Nyala"/>
+        <a:font script="Beng" typeface="Vrinda"/>
+        <a:font script="Gujr" typeface="Shruti"/>
+        <a:font script="Khmr" typeface="DaunPenh"/>
+        <a:font script="Knda" typeface="Tunga"/>
+        <a:font script="Guru" typeface="Raavi"/>
+        <a:font script="Cans" typeface="Euphemia"/>
+        <a:font script="Cher" typeface="Plantagenet Cherokee"/>
+        <a:font script="Yiii" typeface="Microsoft Yi Baiti"/>
+        <a:font script="Tibt" typeface="Microsoft Himalaya"/>
+        <a:font script="Thaa" typeface="MV Boli"/>
+        <a:font script="Deva" typeface="Mangal"/>
+        <a:font script="Telu" typeface="Gautami"/>
+        <a:font script="Taml" typeface="Latha"/>
+        <a:font script="Syrc" typeface="Estrangelo Edessa"/>
+        <a:font script="Orya" typeface="Kalinga"/>
+        <a:font script="Mlym" typeface="Kartika"/>
+        <a:font script="Laoo" typeface="DokChampa"/>
+        <a:font script="Sinh" typeface="Iskoola Pota"/>
+        <a:font script="Mong" typeface="Mongolian Baiti"/>
+        <a:font script="Viet" typeface="Arial"/>
+        <a:font script="Uigh" typeface="Microsoft Uighur"/>
+        <a:font script="Geor" typeface="Sylfaen"/>
+        <a:font script="Armn" typeface="Arial"/>
+        <a:font script="Bugi" typeface="Leelawadee UI"/>
+        <a:font script="Bopo" typeface="Microsoft JhengHei"/>
+        <a:font script="Java" typeface="Javanese Text"/>
+        <a:font script="Lisu" typeface="Segoe UI"/>
+        <a:font script="Mymr" typeface="Myanmar Text"/>
+        <a:font script="Nkoo" typeface="Ebrima"/>
+        <a:font script="Olck" typeface="Nirmala UI"/>
+        <a:font script="Osma" typeface="Ebrima"/>
+        <a:font script="Phag" typeface="Phagspa"/>
+        <a:font script="Syrn" typeface="Estrangelo Edessa"/>
+        <a:font script="Syrj" typeface="Estrangelo Edessa"/>
+        <a:font script="Syre" typeface="Estrangelo Edessa"/>
+        <a:font script="Sora" typeface="Nirmala UI"/>
+        <a:font script="Tale" typeface="Microsoft Tai Le"/>
+        <a:font script="Talu" typeface="Microsoft New Tai Lue"/>
+        <a:font script="Tfng" typeface="Ebrima"/>
+      </a:minorFont>
+    </a:fontScheme>
+    <a:fmtScheme name="Office">
+      <a:fillStyleLst>
+        <a:solidFill>
+          <a:schemeClr val="phClr"/>
+        </a:solidFill>
+        <a:gradFill rotWithShape="1">
+          <a:gsLst>
+            <a:gs pos="0">
+              <a:schemeClr val="phClr">
+                <a:lumMod val="110000"/>
+                <a:satMod val="105000"/>
+                <a:tint val="67000"/>
+              </a:schemeClr>
+            </a:gs>
+            <a:gs pos="50000">
+              <a:schemeClr val="phClr">
+                <a:lumMod val="105000"/>
+                <a:satMod val="103000"/>
+                <a:tint val="73000"/>
+              </a:schemeClr>
+            </a:gs>
+            <a:gs pos="100000">
+              <a:schemeClr val="phClr">
+                <a:lumMod val="105000"/>
+                <a:satMod val="109000"/>
+                <a:tint val="81000"/>
+              </a:schemeClr>
+            </a:gs>
+          </a:gsLst>
+          <a:lin ang="5400000" scaled="0"/>
+        </a:gradFill>
+        <a:gradFill rotWithShape="1">
+          <a:gsLst>
+            <a:gs pos="0">
+              <a:schemeClr val="phClr">
+                <a:satMod val="103000"/>
+                <a:lumMod val="102000"/>
+                <a:tint val="94000"/>
+              </a:schemeClr>
+            </a:gs>
+            <a:gs pos="50000">
+              <a:schemeClr val="phClr">
+                <a:satMod val="110000"/>
+                <a:lumMod val="100000"/>
+                <a:shade val="100000"/>
+              </a:schemeClr>
+            </a:gs>
+            <a:gs pos="100000">
+              <a:schemeClr val="phClr">
+                <a:lumMod val="99000"/>
+                <a:satMod val="120000"/>
+                <a:shade val="78000"/>
+              </a:schemeClr>
+            </a:gs>
+          </a:gsLst>
+          <a:lin ang="5400000" scaled="0"/>
+        </a:gradFill>
+      </a:fillStyleLst>
+      <a:lnStyleLst>
+        <a:ln w="6350" cap="flat" cmpd="sng" algn="ctr">
+          <a:solidFill>
+            <a:schemeClr val="phClr"/>
+          </a:solidFill>
+          <a:prstDash val="solid"/>
+          <a:miter lim="800000"/>
+        </a:ln>
+        <a:ln w="12700" cap="flat" cmpd="sng" algn="ctr">
+          <a:solidFill>
+            <a:schemeClr val="phClr"/>
+          </a:solidFill>
+          <a:prstDash val="solid"/>
+          <a:miter lim="800000"/>
+        </a:ln>
+        <a:ln w="19050" cap="flat" cmpd="sng" algn="ctr">
+          <a:solidFill>
+            <a:schemeClr val="phClr"/>
+          </a:solidFill>
+          <a:prstDash val="solid"/>
+          <a:miter lim="800000"/>
+        </a:ln>
+      </a:lnStyleLst>
+      <a:effectStyleLst>
+        <a:effectStyle>
+          <a:effectLst/>
+        </a:effectStyle>
+        <a:effectStyle>
+          <a:effectLst/>
+        </a:effectStyle>
+        <a:effectStyle>
+          <a:effectLst>
+            <a:outerShdw blurRad="57150" dist="19050" dir="5400000" algn="ctr" rotWithShape="0">
+              <a:srgbClr val="000000">
+                <a:alpha val="63000"/>
+              </a:srgbClr>
+            </a:outerShdw>
+          </a:effectLst>
+        </a:effectStyle>
+      </a:effectStyleLst>
+      <a:bgFillStyleLst>
+        <a:solidFill>
+          <a:schemeClr val="phClr"/>
+        </a:solidFill>
+        <a:solidFill>
+          <a:schemeClr val="phClr">
+            <a:tint val="95000"/>
+            <a:satMod val="170000"/>
+          </a:schemeClr>
+        </a:solidFill>
+        <a:gradFill rotWithShape="1">
+          <a:gsLst>
+            <a:gs pos="0">
+              <a:schemeClr val="phClr">
+                <a:tint val="93000"/>
+                <a:satMod val="150000"/>
+                <a:shade val="98000"/>
+                <a:lumMod val="102000"/>
+              </a:schemeClr>
+            </a:gs>
+            <a:gs pos="50000">
+              <a:schemeClr val="phClr">
+                <a:tint val="98000"/>
+                <a:satMod val="130000"/>
+                <a:shade val="90000"/>
+                <a:lumMod val="103000"/>
+              </a:schemeClr>
+            </a:gs>
+            <a:gs pos="100000">
+              <a:schemeClr val="phClr">
+                <a:shade val="63000"/>
+                <a:satMod val="120000"/>
+              </a:schemeClr>
+            </a:gs>
+          </a:gsLst>
+          <a:lin ang="5400000" scaled="0"/>
+        </a:gradFill>
+      </a:bgFillStyleLst>
+    </a:fmtScheme>
+  </a:themeElements>
+  <a:objectDefaults/>
+  <a:extraClrSchemeLst/>
+  <a:extLst>
+    <a:ext uri="{05A4C25C-085E-4340-85A3-A5531E510DB2}">
+      <thm15:themeFamily xmlns:thm15="http://schemas.microsoft.com/office/thememl/2012/main" name="Office Theme" id="{62F939B6-93AF-4DB8-9C6B-D6C7DFDC589F}" vid="{4A3C46E8-61CC-4603-A589-7422A47A8E4A}"/>
+    </a:ext>
+  </a:extLst>
+</a:theme>
 </file>